--- a/003_documents/グループ２発表資料.pptx
+++ b/003_documents/グループ２発表資料.pptx
@@ -7,11 +7,23 @@
   <p:sldIdLst>
     <p:sldId id="256" r:id="rId2"/>
     <p:sldId id="257" r:id="rId3"/>
-    <p:sldId id="262" r:id="rId4"/>
+    <p:sldId id="264" r:id="rId4"/>
     <p:sldId id="258" r:id="rId5"/>
-    <p:sldId id="259" r:id="rId6"/>
-    <p:sldId id="260" r:id="rId7"/>
-    <p:sldId id="261" r:id="rId8"/>
+    <p:sldId id="263" r:id="rId6"/>
+    <p:sldId id="259" r:id="rId7"/>
+    <p:sldId id="262" r:id="rId8"/>
+    <p:sldId id="260" r:id="rId9"/>
+    <p:sldId id="265" r:id="rId10"/>
+    <p:sldId id="272" r:id="rId11"/>
+    <p:sldId id="270" r:id="rId12"/>
+    <p:sldId id="269" r:id="rId13"/>
+    <p:sldId id="271" r:id="rId14"/>
+    <p:sldId id="274" r:id="rId15"/>
+    <p:sldId id="266" r:id="rId16"/>
+    <p:sldId id="267" r:id="rId17"/>
+    <p:sldId id="268" r:id="rId18"/>
+    <p:sldId id="275" r:id="rId19"/>
+    <p:sldId id="273" r:id="rId20"/>
   </p:sldIdLst>
   <p:sldSz cx="12192000" cy="6858000"/>
   <p:notesSz cx="6858000" cy="9144000"/>
@@ -168,7 +180,7 @@
           <a:noFill/>
           <a:extLst>
             <a:ext uri="{909E8E84-426E-40dd-AFC4-6F175D3DCCD1}">
-              <a14:hiddenFill xmlns:a14="http://schemas.microsoft.com/office/drawing/2010/main" xmlns="">
+              <a14:hiddenFill xmlns="" xmlns:a14="http://schemas.microsoft.com/office/drawing/2010/main">
                 <a:solidFill>
                   <a:srgbClr val="FFFFFF"/>
                 </a:solidFill>
@@ -228,7 +240,7 @@
             </a:ln>
             <a:extLst>
               <a:ext uri="{91240B29-F687-4f45-9708-019B960494DF}">
-                <a14:hiddenLine xmlns:a14="http://schemas.microsoft.com/office/drawing/2010/main" xmlns="" w="9525">
+                <a14:hiddenLine xmlns="" xmlns:a14="http://schemas.microsoft.com/office/drawing/2010/main" w="9525">
                   <a:solidFill>
                     <a:srgbClr val="000000"/>
                   </a:solidFill>
@@ -318,7 +330,7 @@
             </a:ln>
             <a:extLst>
               <a:ext uri="{91240B29-F687-4f45-9708-019B960494DF}">
-                <a14:hiddenLine xmlns:a14="http://schemas.microsoft.com/office/drawing/2010/main" xmlns="" w="9525">
+                <a14:hiddenLine xmlns="" xmlns:a14="http://schemas.microsoft.com/office/drawing/2010/main" w="9525">
                   <a:solidFill>
                     <a:srgbClr val="000000"/>
                   </a:solidFill>
@@ -408,7 +420,7 @@
             </a:ln>
             <a:extLst>
               <a:ext uri="{91240B29-F687-4f45-9708-019B960494DF}">
-                <a14:hiddenLine xmlns:a14="http://schemas.microsoft.com/office/drawing/2010/main" xmlns="" w="9525">
+                <a14:hiddenLine xmlns="" xmlns:a14="http://schemas.microsoft.com/office/drawing/2010/main" w="9525">
                   <a:solidFill>
                     <a:srgbClr val="000000"/>
                   </a:solidFill>
@@ -442,7 +454,7 @@
             </a:ln>
             <a:extLst>
               <a:ext uri="{91240B29-F687-4f45-9708-019B960494DF}">
-                <a14:hiddenLine xmlns:a14="http://schemas.microsoft.com/office/drawing/2010/main" xmlns="" w="9525">
+                <a14:hiddenLine xmlns="" xmlns:a14="http://schemas.microsoft.com/office/drawing/2010/main" w="9525">
                   <a:solidFill>
                     <a:srgbClr val="000000"/>
                   </a:solidFill>
@@ -532,7 +544,7 @@
             </a:ln>
             <a:extLst>
               <a:ext uri="{91240B29-F687-4f45-9708-019B960494DF}">
-                <a14:hiddenLine xmlns:a14="http://schemas.microsoft.com/office/drawing/2010/main" xmlns="" w="9525">
+                <a14:hiddenLine xmlns="" xmlns:a14="http://schemas.microsoft.com/office/drawing/2010/main" w="9525">
                   <a:solidFill>
                     <a:srgbClr val="000000"/>
                   </a:solidFill>
@@ -594,7 +606,7 @@
             </a:ln>
             <a:extLst>
               <a:ext uri="{91240B29-F687-4f45-9708-019B960494DF}">
-                <a14:hiddenLine xmlns:a14="http://schemas.microsoft.com/office/drawing/2010/main" xmlns="" w="9525">
+                <a14:hiddenLine xmlns="" xmlns:a14="http://schemas.microsoft.com/office/drawing/2010/main" w="9525">
                   <a:solidFill>
                     <a:srgbClr val="000000"/>
                   </a:solidFill>
@@ -656,7 +668,7 @@
             </a:ln>
             <a:extLst>
               <a:ext uri="{91240B29-F687-4f45-9708-019B960494DF}">
-                <a14:hiddenLine xmlns:a14="http://schemas.microsoft.com/office/drawing/2010/main" xmlns="" w="9525">
+                <a14:hiddenLine xmlns="" xmlns:a14="http://schemas.microsoft.com/office/drawing/2010/main" w="9525">
                   <a:solidFill>
                     <a:srgbClr val="000000"/>
                   </a:solidFill>
@@ -746,7 +758,7 @@
             </a:ln>
             <a:extLst>
               <a:ext uri="{91240B29-F687-4f45-9708-019B960494DF}">
-                <a14:hiddenLine xmlns:a14="http://schemas.microsoft.com/office/drawing/2010/main" xmlns="" w="9525">
+                <a14:hiddenLine xmlns="" xmlns:a14="http://schemas.microsoft.com/office/drawing/2010/main" w="9525">
                   <a:solidFill>
                     <a:srgbClr val="000000"/>
                   </a:solidFill>
@@ -808,7 +820,7 @@
             </a:ln>
             <a:extLst>
               <a:ext uri="{91240B29-F687-4f45-9708-019B960494DF}">
-                <a14:hiddenLine xmlns:a14="http://schemas.microsoft.com/office/drawing/2010/main" xmlns="" w="9525">
+                <a14:hiddenLine xmlns="" xmlns:a14="http://schemas.microsoft.com/office/drawing/2010/main" w="9525">
                   <a:solidFill>
                     <a:srgbClr val="000000"/>
                   </a:solidFill>
@@ -870,7 +882,7 @@
             </a:ln>
             <a:extLst>
               <a:ext uri="{91240B29-F687-4f45-9708-019B960494DF}">
-                <a14:hiddenLine xmlns:a14="http://schemas.microsoft.com/office/drawing/2010/main" xmlns="" w="9525">
+                <a14:hiddenLine xmlns="" xmlns:a14="http://schemas.microsoft.com/office/drawing/2010/main" w="9525">
                   <a:solidFill>
                     <a:srgbClr val="000000"/>
                   </a:solidFill>
@@ -960,7 +972,7 @@
             </a:ln>
             <a:extLst>
               <a:ext uri="{91240B29-F687-4f45-9708-019B960494DF}">
-                <a14:hiddenLine xmlns:a14="http://schemas.microsoft.com/office/drawing/2010/main" xmlns="" w="9525">
+                <a14:hiddenLine xmlns="" xmlns:a14="http://schemas.microsoft.com/office/drawing/2010/main" w="9525">
                   <a:solidFill>
                     <a:srgbClr val="000000"/>
                   </a:solidFill>
@@ -1050,7 +1062,7 @@
             </a:ln>
             <a:extLst>
               <a:ext uri="{91240B29-F687-4f45-9708-019B960494DF}">
-                <a14:hiddenLine xmlns:a14="http://schemas.microsoft.com/office/drawing/2010/main" xmlns="" w="9525">
+                <a14:hiddenLine xmlns="" xmlns:a14="http://schemas.microsoft.com/office/drawing/2010/main" w="9525">
                   <a:solidFill>
                     <a:srgbClr val="000000"/>
                   </a:solidFill>
@@ -1112,7 +1124,7 @@
             </a:ln>
             <a:extLst>
               <a:ext uri="{91240B29-F687-4f45-9708-019B960494DF}">
-                <a14:hiddenLine xmlns:a14="http://schemas.microsoft.com/office/drawing/2010/main" xmlns="" w="9525">
+                <a14:hiddenLine xmlns="" xmlns:a14="http://schemas.microsoft.com/office/drawing/2010/main" w="9525">
                   <a:solidFill>
                     <a:srgbClr val="000000"/>
                   </a:solidFill>
@@ -1222,7 +1234,7 @@
             </a:ln>
             <a:extLst>
               <a:ext uri="{91240B29-F687-4f45-9708-019B960494DF}">
-                <a14:hiddenLine xmlns:a14="http://schemas.microsoft.com/office/drawing/2010/main" xmlns="" w="9525">
+                <a14:hiddenLine xmlns="" xmlns:a14="http://schemas.microsoft.com/office/drawing/2010/main" w="9525">
                   <a:solidFill>
                     <a:srgbClr val="000000"/>
                   </a:solidFill>
@@ -1284,7 +1296,7 @@
             </a:ln>
             <a:extLst>
               <a:ext uri="{91240B29-F687-4f45-9708-019B960494DF}">
-                <a14:hiddenLine xmlns:a14="http://schemas.microsoft.com/office/drawing/2010/main" xmlns="" w="9525">
+                <a14:hiddenLine xmlns="" xmlns:a14="http://schemas.microsoft.com/office/drawing/2010/main" w="9525">
                   <a:solidFill>
                     <a:srgbClr val="000000"/>
                   </a:solidFill>
@@ -1374,7 +1386,7 @@
             </a:ln>
             <a:extLst>
               <a:ext uri="{91240B29-F687-4f45-9708-019B960494DF}">
-                <a14:hiddenLine xmlns:a14="http://schemas.microsoft.com/office/drawing/2010/main" xmlns="" w="9525">
+                <a14:hiddenLine xmlns="" xmlns:a14="http://schemas.microsoft.com/office/drawing/2010/main" w="9525">
                   <a:solidFill>
                     <a:srgbClr val="000000"/>
                   </a:solidFill>
@@ -1464,7 +1476,7 @@
             </a:ln>
             <a:extLst>
               <a:ext uri="{91240B29-F687-4f45-9708-019B960494DF}">
-                <a14:hiddenLine xmlns:a14="http://schemas.microsoft.com/office/drawing/2010/main" xmlns="" w="9525">
+                <a14:hiddenLine xmlns="" xmlns:a14="http://schemas.microsoft.com/office/drawing/2010/main" w="9525">
                   <a:solidFill>
                     <a:srgbClr val="000000"/>
                   </a:solidFill>
@@ -1526,7 +1538,7 @@
             </a:ln>
             <a:extLst>
               <a:ext uri="{91240B29-F687-4f45-9708-019B960494DF}">
-                <a14:hiddenLine xmlns:a14="http://schemas.microsoft.com/office/drawing/2010/main" xmlns="" w="9525">
+                <a14:hiddenLine xmlns="" xmlns:a14="http://schemas.microsoft.com/office/drawing/2010/main" w="9525">
                   <a:solidFill>
                     <a:srgbClr val="000000"/>
                   </a:solidFill>
@@ -1616,7 +1628,7 @@
             </a:ln>
             <a:extLst>
               <a:ext uri="{91240B29-F687-4f45-9708-019B960494DF}">
-                <a14:hiddenLine xmlns:a14="http://schemas.microsoft.com/office/drawing/2010/main" xmlns="" w="9525">
+                <a14:hiddenLine xmlns="" xmlns:a14="http://schemas.microsoft.com/office/drawing/2010/main" w="9525">
                   <a:solidFill>
                     <a:srgbClr val="000000"/>
                   </a:solidFill>
@@ -1706,7 +1718,7 @@
             </a:ln>
             <a:extLst>
               <a:ext uri="{91240B29-F687-4f45-9708-019B960494DF}">
-                <a14:hiddenLine xmlns:a14="http://schemas.microsoft.com/office/drawing/2010/main" xmlns="" w="9525">
+                <a14:hiddenLine xmlns="" xmlns:a14="http://schemas.microsoft.com/office/drawing/2010/main" w="9525">
                   <a:solidFill>
                     <a:srgbClr val="000000"/>
                   </a:solidFill>
@@ -1762,7 +1774,7 @@
             </a:ln>
             <a:extLst>
               <a:ext uri="{91240B29-F687-4f45-9708-019B960494DF}">
-                <a14:hiddenLine xmlns:a14="http://schemas.microsoft.com/office/drawing/2010/main" xmlns="" w="9525">
+                <a14:hiddenLine xmlns="" xmlns:a14="http://schemas.microsoft.com/office/drawing/2010/main" w="9525">
                   <a:solidFill>
                     <a:srgbClr val="000000"/>
                   </a:solidFill>
@@ -1852,7 +1864,7 @@
             </a:ln>
             <a:extLst>
               <a:ext uri="{91240B29-F687-4f45-9708-019B960494DF}">
-                <a14:hiddenLine xmlns:a14="http://schemas.microsoft.com/office/drawing/2010/main" xmlns="" w="9525">
+                <a14:hiddenLine xmlns="" xmlns:a14="http://schemas.microsoft.com/office/drawing/2010/main" w="9525">
                   <a:solidFill>
                     <a:srgbClr val="000000"/>
                   </a:solidFill>
@@ -1908,7 +1920,7 @@
             </a:ln>
             <a:extLst>
               <a:ext uri="{91240B29-F687-4f45-9708-019B960494DF}">
-                <a14:hiddenLine xmlns:a14="http://schemas.microsoft.com/office/drawing/2010/main" xmlns="" w="9525">
+                <a14:hiddenLine xmlns="" xmlns:a14="http://schemas.microsoft.com/office/drawing/2010/main" w="9525">
                   <a:solidFill>
                     <a:srgbClr val="000000"/>
                   </a:solidFill>
@@ -1998,7 +2010,7 @@
             </a:ln>
             <a:extLst>
               <a:ext uri="{91240B29-F687-4f45-9708-019B960494DF}">
-                <a14:hiddenLine xmlns:a14="http://schemas.microsoft.com/office/drawing/2010/main" xmlns="" w="9525">
+                <a14:hiddenLine xmlns="" xmlns:a14="http://schemas.microsoft.com/office/drawing/2010/main" w="9525">
                   <a:solidFill>
                     <a:srgbClr val="000000"/>
                   </a:solidFill>
@@ -2066,7 +2078,7 @@
             </a:ln>
             <a:extLst>
               <a:ext uri="{91240B29-F687-4f45-9708-019B960494DF}">
-                <a14:hiddenLine xmlns:a14="http://schemas.microsoft.com/office/drawing/2010/main" xmlns="" w="9525">
+                <a14:hiddenLine xmlns="" xmlns:a14="http://schemas.microsoft.com/office/drawing/2010/main" w="9525">
                   <a:solidFill>
                     <a:srgbClr val="000000"/>
                   </a:solidFill>
@@ -2156,7 +2168,7 @@
             </a:ln>
             <a:extLst>
               <a:ext uri="{91240B29-F687-4f45-9708-019B960494DF}">
-                <a14:hiddenLine xmlns:a14="http://schemas.microsoft.com/office/drawing/2010/main" xmlns="" w="9525">
+                <a14:hiddenLine xmlns="" xmlns:a14="http://schemas.microsoft.com/office/drawing/2010/main" w="9525">
                   <a:solidFill>
                     <a:srgbClr val="000000"/>
                   </a:solidFill>
@@ -2224,7 +2236,7 @@
             </a:ln>
             <a:extLst>
               <a:ext uri="{91240B29-F687-4f45-9708-019B960494DF}">
-                <a14:hiddenLine xmlns:a14="http://schemas.microsoft.com/office/drawing/2010/main" xmlns="" w="9525">
+                <a14:hiddenLine xmlns="" xmlns:a14="http://schemas.microsoft.com/office/drawing/2010/main" w="9525">
                   <a:solidFill>
                     <a:srgbClr val="000000"/>
                   </a:solidFill>
@@ -2314,7 +2326,7 @@
             </a:ln>
             <a:extLst>
               <a:ext uri="{91240B29-F687-4f45-9708-019B960494DF}">
-                <a14:hiddenLine xmlns:a14="http://schemas.microsoft.com/office/drawing/2010/main" xmlns="" w="9525">
+                <a14:hiddenLine xmlns="" xmlns:a14="http://schemas.microsoft.com/office/drawing/2010/main" w="9525">
                   <a:solidFill>
                     <a:srgbClr val="000000"/>
                   </a:solidFill>
@@ -2348,7 +2360,7 @@
             </a:ln>
             <a:extLst>
               <a:ext uri="{91240B29-F687-4f45-9708-019B960494DF}">
-                <a14:hiddenLine xmlns:a14="http://schemas.microsoft.com/office/drawing/2010/main" xmlns="" w="9525">
+                <a14:hiddenLine xmlns="" xmlns:a14="http://schemas.microsoft.com/office/drawing/2010/main" w="9525">
                   <a:solidFill>
                     <a:srgbClr val="000000"/>
                   </a:solidFill>
@@ -2438,7 +2450,7 @@
             </a:ln>
             <a:extLst>
               <a:ext uri="{91240B29-F687-4f45-9708-019B960494DF}">
-                <a14:hiddenLine xmlns:a14="http://schemas.microsoft.com/office/drawing/2010/main" xmlns="" w="9525">
+                <a14:hiddenLine xmlns="" xmlns:a14="http://schemas.microsoft.com/office/drawing/2010/main" w="9525">
                   <a:solidFill>
                     <a:srgbClr val="000000"/>
                   </a:solidFill>
@@ -2500,7 +2512,7 @@
             </a:ln>
             <a:extLst>
               <a:ext uri="{91240B29-F687-4f45-9708-019B960494DF}">
-                <a14:hiddenLine xmlns:a14="http://schemas.microsoft.com/office/drawing/2010/main" xmlns="" w="9525">
+                <a14:hiddenLine xmlns="" xmlns:a14="http://schemas.microsoft.com/office/drawing/2010/main" w="9525">
                   <a:solidFill>
                     <a:srgbClr val="000000"/>
                   </a:solidFill>
@@ -2562,7 +2574,7 @@
             </a:ln>
             <a:extLst>
               <a:ext uri="{91240B29-F687-4f45-9708-019B960494DF}">
-                <a14:hiddenLine xmlns:a14="http://schemas.microsoft.com/office/drawing/2010/main" xmlns="" w="9525">
+                <a14:hiddenLine xmlns="" xmlns:a14="http://schemas.microsoft.com/office/drawing/2010/main" w="9525">
                   <a:solidFill>
                     <a:srgbClr val="000000"/>
                   </a:solidFill>
@@ -2652,7 +2664,7 @@
             </a:ln>
             <a:extLst>
               <a:ext uri="{91240B29-F687-4f45-9708-019B960494DF}">
-                <a14:hiddenLine xmlns:a14="http://schemas.microsoft.com/office/drawing/2010/main" xmlns="" w="9525">
+                <a14:hiddenLine xmlns="" xmlns:a14="http://schemas.microsoft.com/office/drawing/2010/main" w="9525">
                   <a:solidFill>
                     <a:srgbClr val="000000"/>
                   </a:solidFill>
@@ -2720,7 +2732,7 @@
             </a:ln>
             <a:extLst>
               <a:ext uri="{91240B29-F687-4f45-9708-019B960494DF}">
-                <a14:hiddenLine xmlns:a14="http://schemas.microsoft.com/office/drawing/2010/main" xmlns="" w="9525">
+                <a14:hiddenLine xmlns="" xmlns:a14="http://schemas.microsoft.com/office/drawing/2010/main" w="9525">
                   <a:solidFill>
                     <a:srgbClr val="000000"/>
                   </a:solidFill>
@@ -2782,7 +2794,7 @@
             </a:ln>
             <a:extLst>
               <a:ext uri="{91240B29-F687-4f45-9708-019B960494DF}">
-                <a14:hiddenLine xmlns:a14="http://schemas.microsoft.com/office/drawing/2010/main" xmlns="" w="9525">
+                <a14:hiddenLine xmlns="" xmlns:a14="http://schemas.microsoft.com/office/drawing/2010/main" w="9525">
                   <a:solidFill>
                     <a:srgbClr val="000000"/>
                   </a:solidFill>
@@ -2872,7 +2884,7 @@
             </a:ln>
             <a:extLst>
               <a:ext uri="{91240B29-F687-4f45-9708-019B960494DF}">
-                <a14:hiddenLine xmlns:a14="http://schemas.microsoft.com/office/drawing/2010/main" xmlns="" w="9525">
+                <a14:hiddenLine xmlns="" xmlns:a14="http://schemas.microsoft.com/office/drawing/2010/main" w="9525">
                   <a:solidFill>
                     <a:srgbClr val="000000"/>
                   </a:solidFill>
@@ -2934,7 +2946,7 @@
             </a:ln>
             <a:extLst>
               <a:ext uri="{91240B29-F687-4f45-9708-019B960494DF}">
-                <a14:hiddenLine xmlns:a14="http://schemas.microsoft.com/office/drawing/2010/main" xmlns="" w="9525">
+                <a14:hiddenLine xmlns="" xmlns:a14="http://schemas.microsoft.com/office/drawing/2010/main" w="9525">
                   <a:solidFill>
                     <a:srgbClr val="000000"/>
                   </a:solidFill>
@@ -3024,7 +3036,7 @@
             </a:ln>
             <a:extLst>
               <a:ext uri="{91240B29-F687-4f45-9708-019B960494DF}">
-                <a14:hiddenLine xmlns:a14="http://schemas.microsoft.com/office/drawing/2010/main" xmlns="" w="9525">
+                <a14:hiddenLine xmlns="" xmlns:a14="http://schemas.microsoft.com/office/drawing/2010/main" w="9525">
                   <a:solidFill>
                     <a:srgbClr val="000000"/>
                   </a:solidFill>
@@ -3086,7 +3098,7 @@
             </a:ln>
             <a:extLst>
               <a:ext uri="{91240B29-F687-4f45-9708-019B960494DF}">
-                <a14:hiddenLine xmlns:a14="http://schemas.microsoft.com/office/drawing/2010/main" xmlns="" w="9525">
+                <a14:hiddenLine xmlns="" xmlns:a14="http://schemas.microsoft.com/office/drawing/2010/main" w="9525">
                   <a:solidFill>
                     <a:srgbClr val="000000"/>
                   </a:solidFill>
@@ -3176,7 +3188,7 @@
             </a:ln>
             <a:extLst>
               <a:ext uri="{91240B29-F687-4f45-9708-019B960494DF}">
-                <a14:hiddenLine xmlns:a14="http://schemas.microsoft.com/office/drawing/2010/main" xmlns="" w="9525">
+                <a14:hiddenLine xmlns="" xmlns:a14="http://schemas.microsoft.com/office/drawing/2010/main" w="9525">
                   <a:solidFill>
                     <a:srgbClr val="000000"/>
                   </a:solidFill>
@@ -3210,7 +3222,7 @@
             </a:ln>
             <a:extLst>
               <a:ext uri="{91240B29-F687-4f45-9708-019B960494DF}">
-                <a14:hiddenLine xmlns:a14="http://schemas.microsoft.com/office/drawing/2010/main" xmlns="" w="9525">
+                <a14:hiddenLine xmlns="" xmlns:a14="http://schemas.microsoft.com/office/drawing/2010/main" w="9525">
                   <a:solidFill>
                     <a:srgbClr val="000000"/>
                   </a:solidFill>
@@ -3275,7 +3287,7 @@
             </a:ln>
             <a:extLst>
               <a:ext uri="{91240B29-F687-4f45-9708-019B960494DF}">
-                <a14:hiddenLine xmlns:a14="http://schemas.microsoft.com/office/drawing/2010/main" xmlns="" w="9525">
+                <a14:hiddenLine xmlns="" xmlns:a14="http://schemas.microsoft.com/office/drawing/2010/main" w="9525">
                   <a:solidFill>
                     <a:srgbClr val="000000"/>
                   </a:solidFill>
@@ -3365,7 +3377,7 @@
             </a:ln>
             <a:extLst>
               <a:ext uri="{91240B29-F687-4f45-9708-019B960494DF}">
-                <a14:hiddenLine xmlns:a14="http://schemas.microsoft.com/office/drawing/2010/main" xmlns="" w="9525">
+                <a14:hiddenLine xmlns="" xmlns:a14="http://schemas.microsoft.com/office/drawing/2010/main" w="9525">
                   <a:solidFill>
                     <a:srgbClr val="000000"/>
                   </a:solidFill>
@@ -3427,7 +3439,7 @@
             </a:ln>
             <a:extLst>
               <a:ext uri="{91240B29-F687-4f45-9708-019B960494DF}">
-                <a14:hiddenLine xmlns:a14="http://schemas.microsoft.com/office/drawing/2010/main" xmlns="" w="9525">
+                <a14:hiddenLine xmlns="" xmlns:a14="http://schemas.microsoft.com/office/drawing/2010/main" w="9525">
                   <a:solidFill>
                     <a:srgbClr val="000000"/>
                   </a:solidFill>
@@ -3517,7 +3529,7 @@
             </a:ln>
             <a:extLst>
               <a:ext uri="{91240B29-F687-4f45-9708-019B960494DF}">
-                <a14:hiddenLine xmlns:a14="http://schemas.microsoft.com/office/drawing/2010/main" xmlns="" w="9525">
+                <a14:hiddenLine xmlns="" xmlns:a14="http://schemas.microsoft.com/office/drawing/2010/main" w="9525">
                   <a:solidFill>
                     <a:srgbClr val="000000"/>
                   </a:solidFill>
@@ -3607,7 +3619,7 @@
             </a:ln>
             <a:extLst>
               <a:ext uri="{91240B29-F687-4f45-9708-019B960494DF}">
-                <a14:hiddenLine xmlns:a14="http://schemas.microsoft.com/office/drawing/2010/main" xmlns="" w="9525">
+                <a14:hiddenLine xmlns="" xmlns:a14="http://schemas.microsoft.com/office/drawing/2010/main" w="9525">
                   <a:solidFill>
                     <a:srgbClr val="000000"/>
                   </a:solidFill>
@@ -3672,7 +3684,7 @@
             </a:ln>
             <a:extLst>
               <a:ext uri="{91240B29-F687-4f45-9708-019B960494DF}">
-                <a14:hiddenLine xmlns:a14="http://schemas.microsoft.com/office/drawing/2010/main" xmlns="" w="9525">
+                <a14:hiddenLine xmlns="" xmlns:a14="http://schemas.microsoft.com/office/drawing/2010/main" w="9525">
                   <a:solidFill>
                     <a:srgbClr val="000000"/>
                   </a:solidFill>
@@ -3734,7 +3746,7 @@
             </a:ln>
             <a:extLst>
               <a:ext uri="{91240B29-F687-4f45-9708-019B960494DF}">
-                <a14:hiddenLine xmlns:a14="http://schemas.microsoft.com/office/drawing/2010/main" xmlns="" w="9525">
+                <a14:hiddenLine xmlns="" xmlns:a14="http://schemas.microsoft.com/office/drawing/2010/main" w="9525">
                   <a:solidFill>
                     <a:srgbClr val="000000"/>
                   </a:solidFill>
@@ -3824,7 +3836,7 @@
             </a:ln>
             <a:extLst>
               <a:ext uri="{91240B29-F687-4f45-9708-019B960494DF}">
-                <a14:hiddenLine xmlns:a14="http://schemas.microsoft.com/office/drawing/2010/main" xmlns="" w="9525">
+                <a14:hiddenLine xmlns="" xmlns:a14="http://schemas.microsoft.com/office/drawing/2010/main" w="9525">
                   <a:solidFill>
                     <a:srgbClr val="000000"/>
                   </a:solidFill>
@@ -3914,7 +3926,7 @@
             </a:ln>
             <a:extLst>
               <a:ext uri="{91240B29-F687-4f45-9708-019B960494DF}">
-                <a14:hiddenLine xmlns:a14="http://schemas.microsoft.com/office/drawing/2010/main" xmlns="" w="9525">
+                <a14:hiddenLine xmlns="" xmlns:a14="http://schemas.microsoft.com/office/drawing/2010/main" w="9525">
                   <a:solidFill>
                     <a:srgbClr val="000000"/>
                   </a:solidFill>
@@ -3976,7 +3988,7 @@
             </a:ln>
             <a:extLst>
               <a:ext uri="{91240B29-F687-4f45-9708-019B960494DF}">
-                <a14:hiddenLine xmlns:a14="http://schemas.microsoft.com/office/drawing/2010/main" xmlns="" w="9525">
+                <a14:hiddenLine xmlns="" xmlns:a14="http://schemas.microsoft.com/office/drawing/2010/main" w="9525">
                   <a:solidFill>
                     <a:srgbClr val="000000"/>
                   </a:solidFill>
@@ -4096,7 +4108,7 @@
             </a:ln>
             <a:extLst>
               <a:ext uri="{91240B29-F687-4f45-9708-019B960494DF}">
-                <a14:hiddenLine xmlns:a14="http://schemas.microsoft.com/office/drawing/2010/main" xmlns="" w="9525">
+                <a14:hiddenLine xmlns="" xmlns:a14="http://schemas.microsoft.com/office/drawing/2010/main" w="9525">
                   <a:solidFill>
                     <a:srgbClr val="000000"/>
                   </a:solidFill>
@@ -4164,7 +4176,7 @@
             </a:ln>
             <a:extLst>
               <a:ext uri="{91240B29-F687-4f45-9708-019B960494DF}">
-                <a14:hiddenLine xmlns:a14="http://schemas.microsoft.com/office/drawing/2010/main" xmlns="" w="9525">
+                <a14:hiddenLine xmlns="" xmlns:a14="http://schemas.microsoft.com/office/drawing/2010/main" w="9525">
                   <a:solidFill>
                     <a:srgbClr val="000000"/>
                   </a:solidFill>
@@ -4254,7 +4266,7 @@
             </a:ln>
             <a:extLst>
               <a:ext uri="{91240B29-F687-4f45-9708-019B960494DF}">
-                <a14:hiddenLine xmlns:a14="http://schemas.microsoft.com/office/drawing/2010/main" xmlns="" w="9525">
+                <a14:hiddenLine xmlns="" xmlns:a14="http://schemas.microsoft.com/office/drawing/2010/main" w="9525">
                   <a:solidFill>
                     <a:srgbClr val="000000"/>
                   </a:solidFill>
@@ -4394,7 +4406,7 @@
           <a:p>
             <a:fld id="{48A87A34-81AB-432B-8DAE-1953F412C126}" type="datetimeFigureOut">
               <a:rPr lang="en-US" dirty="0"/>
-              <a:t>11/7/2018</a:t>
+              <a:t>11/13/2018</a:t>
             </a:fld>
             <a:endParaRPr lang="en-US" dirty="0"/>
           </a:p>
@@ -4693,7 +4705,7 @@
           <a:p>
             <a:fld id="{48A87A34-81AB-432B-8DAE-1953F412C126}" type="datetimeFigureOut">
               <a:rPr lang="en-US" dirty="0"/>
-              <a:t>11/7/2018</a:t>
+              <a:t>11/13/2018</a:t>
             </a:fld>
             <a:endParaRPr lang="en-US" dirty="0"/>
           </a:p>
@@ -4921,7 +4933,7 @@
           <a:p>
             <a:fld id="{48A87A34-81AB-432B-8DAE-1953F412C126}" type="datetimeFigureOut">
               <a:rPr lang="en-US" dirty="0"/>
-              <a:t>11/7/2018</a:t>
+              <a:t>11/13/2018</a:t>
             </a:fld>
             <a:endParaRPr lang="en-US" dirty="0"/>
           </a:p>
@@ -5253,7 +5265,7 @@
           <a:p>
             <a:fld id="{48A87A34-81AB-432B-8DAE-1953F412C126}" type="datetimeFigureOut">
               <a:rPr lang="en-US" dirty="0"/>
-              <a:t>11/7/2018</a:t>
+              <a:t>11/13/2018</a:t>
             </a:fld>
             <a:endParaRPr lang="en-US" dirty="0"/>
           </a:p>
@@ -5719,7 +5731,7 @@
           <a:p>
             <a:fld id="{48A87A34-81AB-432B-8DAE-1953F412C126}" type="datetimeFigureOut">
               <a:rPr lang="en-US" dirty="0"/>
-              <a:t>11/7/2018</a:t>
+              <a:t>11/13/2018</a:t>
             </a:fld>
             <a:endParaRPr lang="en-US" dirty="0"/>
           </a:p>
@@ -6482,7 +6494,7 @@
           <a:p>
             <a:fld id="{48A87A34-81AB-432B-8DAE-1953F412C126}" type="datetimeFigureOut">
               <a:rPr lang="en-US" dirty="0"/>
-              <a:t>11/7/2018</a:t>
+              <a:t>11/13/2018</a:t>
             </a:fld>
             <a:endParaRPr lang="en-US" dirty="0"/>
           </a:p>
@@ -7419,7 +7431,7 @@
           <a:p>
             <a:fld id="{48A87A34-81AB-432B-8DAE-1953F412C126}" type="datetimeFigureOut">
               <a:rPr lang="en-US" dirty="0"/>
-              <a:t>11/7/2018</a:t>
+              <a:t>11/13/2018</a:t>
             </a:fld>
             <a:endParaRPr lang="en-US" dirty="0"/>
           </a:p>
@@ -7592,7 +7604,7 @@
           <a:p>
             <a:fld id="{48A87A34-81AB-432B-8DAE-1953F412C126}" type="datetimeFigureOut">
               <a:rPr lang="en-US" dirty="0"/>
-              <a:t>11/7/2018</a:t>
+              <a:t>11/13/2018</a:t>
             </a:fld>
             <a:endParaRPr lang="en-US" dirty="0"/>
           </a:p>
@@ -7775,7 +7787,7 @@
           <a:p>
             <a:fld id="{48A87A34-81AB-432B-8DAE-1953F412C126}" type="datetimeFigureOut">
               <a:rPr lang="en-US" dirty="0"/>
-              <a:t>11/7/2018</a:t>
+              <a:t>11/13/2018</a:t>
             </a:fld>
             <a:endParaRPr lang="en-US" dirty="0"/>
           </a:p>
@@ -7948,7 +7960,7 @@
           <a:p>
             <a:fld id="{48A87A34-81AB-432B-8DAE-1953F412C126}" type="datetimeFigureOut">
               <a:rPr lang="en-US" dirty="0"/>
-              <a:t>11/7/2018</a:t>
+              <a:t>11/13/2018</a:t>
             </a:fld>
             <a:endParaRPr lang="en-US" dirty="0"/>
           </a:p>
@@ -8230,7 +8242,7 @@
           <a:p>
             <a:fld id="{48A87A34-81AB-432B-8DAE-1953F412C126}" type="datetimeFigureOut">
               <a:rPr lang="en-US" dirty="0"/>
-              <a:t>11/7/2018</a:t>
+              <a:t>11/13/2018</a:t>
             </a:fld>
             <a:endParaRPr lang="en-US" dirty="0"/>
           </a:p>
@@ -8473,7 +8485,7 @@
           <a:p>
             <a:fld id="{48A87A34-81AB-432B-8DAE-1953F412C126}" type="datetimeFigureOut">
               <a:rPr lang="en-US" dirty="0"/>
-              <a:t>11/7/2018</a:t>
+              <a:t>11/13/2018</a:t>
             </a:fld>
             <a:endParaRPr lang="en-US" dirty="0"/>
           </a:p>
@@ -8939,7 +8951,7 @@
           <a:p>
             <a:fld id="{48A87A34-81AB-432B-8DAE-1953F412C126}" type="datetimeFigureOut">
               <a:rPr lang="en-US" dirty="0"/>
-              <a:t>11/7/2018</a:t>
+              <a:t>11/13/2018</a:t>
             </a:fld>
             <a:endParaRPr lang="en-US" dirty="0"/>
           </a:p>
@@ -9052,7 +9064,7 @@
           <a:p>
             <a:fld id="{48A87A34-81AB-432B-8DAE-1953F412C126}" type="datetimeFigureOut">
               <a:rPr lang="en-US" dirty="0"/>
-              <a:t>11/7/2018</a:t>
+              <a:t>11/13/2018</a:t>
             </a:fld>
             <a:endParaRPr lang="en-US" dirty="0"/>
           </a:p>
@@ -9142,7 +9154,7 @@
           <a:p>
             <a:fld id="{48A87A34-81AB-432B-8DAE-1953F412C126}" type="datetimeFigureOut">
               <a:rPr lang="en-US" dirty="0"/>
-              <a:t>11/7/2018</a:t>
+              <a:t>11/13/2018</a:t>
             </a:fld>
             <a:endParaRPr lang="en-US" dirty="0"/>
           </a:p>
@@ -9431,7 +9443,7 @@
           <a:p>
             <a:fld id="{48A87A34-81AB-432B-8DAE-1953F412C126}" type="datetimeFigureOut">
               <a:rPr lang="en-US" dirty="0"/>
-              <a:t>11/7/2018</a:t>
+              <a:t>11/13/2018</a:t>
             </a:fld>
             <a:endParaRPr lang="en-US" dirty="0"/>
           </a:p>
@@ -9743,7 +9755,7 @@
           <a:p>
             <a:fld id="{48A87A34-81AB-432B-8DAE-1953F412C126}" type="datetimeFigureOut">
               <a:rPr lang="en-US" dirty="0"/>
-              <a:t>11/7/2018</a:t>
+              <a:t>11/13/2018</a:t>
             </a:fld>
             <a:endParaRPr lang="en-US" dirty="0"/>
           </a:p>
@@ -9854,7 +9866,7 @@
           <a:noFill/>
           <a:extLst>
             <a:ext uri="{909E8E84-426E-40dd-AFC4-6F175D3DCCD1}">
-              <a14:hiddenFill xmlns:a14="http://schemas.microsoft.com/office/drawing/2010/main" xmlns="">
+              <a14:hiddenFill xmlns="" xmlns:a14="http://schemas.microsoft.com/office/drawing/2010/main">
                 <a:solidFill>
                   <a:srgbClr val="FFFFFF"/>
                 </a:solidFill>
@@ -9928,7 +9940,7 @@
               </a:ln>
               <a:extLst>
                 <a:ext uri="{91240B29-F687-4f45-9708-019B960494DF}">
-                  <a14:hiddenLine xmlns:a14="http://schemas.microsoft.com/office/drawing/2010/main" xmlns="" w="9525">
+                  <a14:hiddenLine xmlns="" xmlns:a14="http://schemas.microsoft.com/office/drawing/2010/main" w="9525">
                     <a:solidFill>
                       <a:srgbClr val="000000"/>
                     </a:solidFill>
@@ -10018,7 +10030,7 @@
               </a:ln>
               <a:extLst>
                 <a:ext uri="{91240B29-F687-4f45-9708-019B960494DF}">
-                  <a14:hiddenLine xmlns:a14="http://schemas.microsoft.com/office/drawing/2010/main" xmlns="" w="9525">
+                  <a14:hiddenLine xmlns="" xmlns:a14="http://schemas.microsoft.com/office/drawing/2010/main" w="9525">
                     <a:solidFill>
                       <a:srgbClr val="000000"/>
                     </a:solidFill>
@@ -10108,7 +10120,7 @@
               </a:ln>
               <a:extLst>
                 <a:ext uri="{91240B29-F687-4f45-9708-019B960494DF}">
-                  <a14:hiddenLine xmlns:a14="http://schemas.microsoft.com/office/drawing/2010/main" xmlns="" w="9525">
+                  <a14:hiddenLine xmlns="" xmlns:a14="http://schemas.microsoft.com/office/drawing/2010/main" w="9525">
                     <a:solidFill>
                       <a:srgbClr val="000000"/>
                     </a:solidFill>
@@ -10170,7 +10182,7 @@
               </a:ln>
               <a:extLst>
                 <a:ext uri="{91240B29-F687-4f45-9708-019B960494DF}">
-                  <a14:hiddenLine xmlns:a14="http://schemas.microsoft.com/office/drawing/2010/main" xmlns="" w="9525">
+                  <a14:hiddenLine xmlns="" xmlns:a14="http://schemas.microsoft.com/office/drawing/2010/main" w="9525">
                     <a:solidFill>
                       <a:srgbClr val="000000"/>
                     </a:solidFill>
@@ -10260,7 +10272,7 @@
               </a:ln>
               <a:extLst>
                 <a:ext uri="{91240B29-F687-4f45-9708-019B960494DF}">
-                  <a14:hiddenLine xmlns:a14="http://schemas.microsoft.com/office/drawing/2010/main" xmlns="" w="9525">
+                  <a14:hiddenLine xmlns="" xmlns:a14="http://schemas.microsoft.com/office/drawing/2010/main" w="9525">
                     <a:solidFill>
                       <a:srgbClr val="000000"/>
                     </a:solidFill>
@@ -10322,7 +10334,7 @@
               </a:ln>
               <a:extLst>
                 <a:ext uri="{91240B29-F687-4f45-9708-019B960494DF}">
-                  <a14:hiddenLine xmlns:a14="http://schemas.microsoft.com/office/drawing/2010/main" xmlns="" w="9525">
+                  <a14:hiddenLine xmlns="" xmlns:a14="http://schemas.microsoft.com/office/drawing/2010/main" w="9525">
                     <a:solidFill>
                       <a:srgbClr val="000000"/>
                     </a:solidFill>
@@ -10384,7 +10396,7 @@
               </a:ln>
               <a:extLst>
                 <a:ext uri="{91240B29-F687-4f45-9708-019B960494DF}">
-                  <a14:hiddenLine xmlns:a14="http://schemas.microsoft.com/office/drawing/2010/main" xmlns="" w="9525">
+                  <a14:hiddenLine xmlns="" xmlns:a14="http://schemas.microsoft.com/office/drawing/2010/main" w="9525">
                     <a:solidFill>
                       <a:srgbClr val="000000"/>
                     </a:solidFill>
@@ -10474,7 +10486,7 @@
               </a:ln>
               <a:extLst>
                 <a:ext uri="{91240B29-F687-4f45-9708-019B960494DF}">
-                  <a14:hiddenLine xmlns:a14="http://schemas.microsoft.com/office/drawing/2010/main" xmlns="" w="9525">
+                  <a14:hiddenLine xmlns="" xmlns:a14="http://schemas.microsoft.com/office/drawing/2010/main" w="9525">
                     <a:solidFill>
                       <a:srgbClr val="000000"/>
                     </a:solidFill>
@@ -10564,7 +10576,7 @@
               </a:ln>
               <a:extLst>
                 <a:ext uri="{91240B29-F687-4f45-9708-019B960494DF}">
-                  <a14:hiddenLine xmlns:a14="http://schemas.microsoft.com/office/drawing/2010/main" xmlns="" w="9525">
+                  <a14:hiddenLine xmlns="" xmlns:a14="http://schemas.microsoft.com/office/drawing/2010/main" w="9525">
                     <a:solidFill>
                       <a:srgbClr val="000000"/>
                     </a:solidFill>
@@ -10626,7 +10638,7 @@
               </a:ln>
               <a:extLst>
                 <a:ext uri="{91240B29-F687-4f45-9708-019B960494DF}">
-                  <a14:hiddenLine xmlns:a14="http://schemas.microsoft.com/office/drawing/2010/main" xmlns="" w="9525">
+                  <a14:hiddenLine xmlns="" xmlns:a14="http://schemas.microsoft.com/office/drawing/2010/main" w="9525">
                     <a:solidFill>
                       <a:srgbClr val="000000"/>
                     </a:solidFill>
@@ -10736,7 +10748,7 @@
               </a:ln>
               <a:extLst>
                 <a:ext uri="{91240B29-F687-4f45-9708-019B960494DF}">
-                  <a14:hiddenLine xmlns:a14="http://schemas.microsoft.com/office/drawing/2010/main" xmlns="" w="9525">
+                  <a14:hiddenLine xmlns="" xmlns:a14="http://schemas.microsoft.com/office/drawing/2010/main" w="9525">
                     <a:solidFill>
                       <a:srgbClr val="000000"/>
                     </a:solidFill>
@@ -10820,7 +10832,7 @@
               </a:ln>
               <a:extLst>
                 <a:ext uri="{91240B29-F687-4f45-9708-019B960494DF}">
-                  <a14:hiddenLine xmlns:a14="http://schemas.microsoft.com/office/drawing/2010/main" xmlns="" w="9525">
+                  <a14:hiddenLine xmlns="" xmlns:a14="http://schemas.microsoft.com/office/drawing/2010/main" w="9525">
                     <a:solidFill>
                       <a:srgbClr val="000000"/>
                     </a:solidFill>
@@ -10882,7 +10894,7 @@
               </a:ln>
               <a:extLst>
                 <a:ext uri="{91240B29-F687-4f45-9708-019B960494DF}">
-                  <a14:hiddenLine xmlns:a14="http://schemas.microsoft.com/office/drawing/2010/main" xmlns="" w="9525">
+                  <a14:hiddenLine xmlns="" xmlns:a14="http://schemas.microsoft.com/office/drawing/2010/main" w="9525">
                     <a:solidFill>
                       <a:srgbClr val="000000"/>
                     </a:solidFill>
@@ -10944,7 +10956,7 @@
               </a:ln>
               <a:extLst>
                 <a:ext uri="{91240B29-F687-4f45-9708-019B960494DF}">
-                  <a14:hiddenLine xmlns:a14="http://schemas.microsoft.com/office/drawing/2010/main" xmlns="" w="9525">
+                  <a14:hiddenLine xmlns="" xmlns:a14="http://schemas.microsoft.com/office/drawing/2010/main" w="9525">
                     <a:solidFill>
                       <a:srgbClr val="000000"/>
                     </a:solidFill>
@@ -11034,7 +11046,7 @@
               </a:ln>
               <a:extLst>
                 <a:ext uri="{91240B29-F687-4f45-9708-019B960494DF}">
-                  <a14:hiddenLine xmlns:a14="http://schemas.microsoft.com/office/drawing/2010/main" xmlns="" w="9525">
+                  <a14:hiddenLine xmlns="" xmlns:a14="http://schemas.microsoft.com/office/drawing/2010/main" w="9525">
                     <a:solidFill>
                       <a:srgbClr val="000000"/>
                     </a:solidFill>
@@ -11068,7 +11080,7 @@
               </a:ln>
               <a:extLst>
                 <a:ext uri="{91240B29-F687-4f45-9708-019B960494DF}">
-                  <a14:hiddenLine xmlns:a14="http://schemas.microsoft.com/office/drawing/2010/main" xmlns="" w="9525">
+                  <a14:hiddenLine xmlns="" xmlns:a14="http://schemas.microsoft.com/office/drawing/2010/main" w="9525">
                     <a:solidFill>
                       <a:srgbClr val="000000"/>
                     </a:solidFill>
@@ -11133,7 +11145,7 @@
               </a:ln>
               <a:extLst>
                 <a:ext uri="{91240B29-F687-4f45-9708-019B960494DF}">
-                  <a14:hiddenLine xmlns:a14="http://schemas.microsoft.com/office/drawing/2010/main" xmlns="" w="9525">
+                  <a14:hiddenLine xmlns="" xmlns:a14="http://schemas.microsoft.com/office/drawing/2010/main" w="9525">
                     <a:solidFill>
                       <a:srgbClr val="000000"/>
                     </a:solidFill>
@@ -11223,7 +11235,7 @@
               </a:ln>
               <a:extLst>
                 <a:ext uri="{91240B29-F687-4f45-9708-019B960494DF}">
-                  <a14:hiddenLine xmlns:a14="http://schemas.microsoft.com/office/drawing/2010/main" xmlns="" w="9525">
+                  <a14:hiddenLine xmlns="" xmlns:a14="http://schemas.microsoft.com/office/drawing/2010/main" w="9525">
                     <a:solidFill>
                       <a:srgbClr val="000000"/>
                     </a:solidFill>
@@ -11285,7 +11297,7 @@
               </a:ln>
               <a:extLst>
                 <a:ext uri="{91240B29-F687-4f45-9708-019B960494DF}">
-                  <a14:hiddenLine xmlns:a14="http://schemas.microsoft.com/office/drawing/2010/main" xmlns="" w="9525">
+                  <a14:hiddenLine xmlns="" xmlns:a14="http://schemas.microsoft.com/office/drawing/2010/main" w="9525">
                     <a:solidFill>
                       <a:srgbClr val="000000"/>
                     </a:solidFill>
@@ -11375,7 +11387,7 @@
               </a:ln>
               <a:extLst>
                 <a:ext uri="{91240B29-F687-4f45-9708-019B960494DF}">
-                  <a14:hiddenLine xmlns:a14="http://schemas.microsoft.com/office/drawing/2010/main" xmlns="" w="9525">
+                  <a14:hiddenLine xmlns="" xmlns:a14="http://schemas.microsoft.com/office/drawing/2010/main" w="9525">
                     <a:solidFill>
                       <a:srgbClr val="000000"/>
                     </a:solidFill>
@@ -11440,7 +11452,7 @@
               </a:ln>
               <a:extLst>
                 <a:ext uri="{91240B29-F687-4f45-9708-019B960494DF}">
-                  <a14:hiddenLine xmlns:a14="http://schemas.microsoft.com/office/drawing/2010/main" xmlns="" w="9525">
+                  <a14:hiddenLine xmlns="" xmlns:a14="http://schemas.microsoft.com/office/drawing/2010/main" w="9525">
                     <a:solidFill>
                       <a:srgbClr val="000000"/>
                     </a:solidFill>
@@ -11502,7 +11514,7 @@
               </a:ln>
               <a:extLst>
                 <a:ext uri="{91240B29-F687-4f45-9708-019B960494DF}">
-                  <a14:hiddenLine xmlns:a14="http://schemas.microsoft.com/office/drawing/2010/main" xmlns="" w="9525">
+                  <a14:hiddenLine xmlns="" xmlns:a14="http://schemas.microsoft.com/office/drawing/2010/main" w="9525">
                     <a:solidFill>
                       <a:srgbClr val="000000"/>
                     </a:solidFill>
@@ -11592,7 +11604,7 @@
               </a:ln>
               <a:extLst>
                 <a:ext uri="{91240B29-F687-4f45-9708-019B960494DF}">
-                  <a14:hiddenLine xmlns:a14="http://schemas.microsoft.com/office/drawing/2010/main" xmlns="" w="9525">
+                  <a14:hiddenLine xmlns="" xmlns:a14="http://schemas.microsoft.com/office/drawing/2010/main" w="9525">
                     <a:solidFill>
                       <a:srgbClr val="000000"/>
                     </a:solidFill>
@@ -11682,7 +11694,7 @@
               </a:ln>
               <a:extLst>
                 <a:ext uri="{91240B29-F687-4f45-9708-019B960494DF}">
-                  <a14:hiddenLine xmlns:a14="http://schemas.microsoft.com/office/drawing/2010/main" xmlns="" w="9525">
+                  <a14:hiddenLine xmlns="" xmlns:a14="http://schemas.microsoft.com/office/drawing/2010/main" w="9525">
                     <a:solidFill>
                       <a:srgbClr val="000000"/>
                     </a:solidFill>
@@ -11747,7 +11759,7 @@
               </a:ln>
               <a:extLst>
                 <a:ext uri="{91240B29-F687-4f45-9708-019B960494DF}">
-                  <a14:hiddenLine xmlns:a14="http://schemas.microsoft.com/office/drawing/2010/main" xmlns="" w="9525">
+                  <a14:hiddenLine xmlns="" xmlns:a14="http://schemas.microsoft.com/office/drawing/2010/main" w="9525">
                     <a:solidFill>
                       <a:srgbClr val="000000"/>
                     </a:solidFill>
@@ -11867,7 +11879,7 @@
               </a:ln>
               <a:extLst>
                 <a:ext uri="{91240B29-F687-4f45-9708-019B960494DF}">
-                  <a14:hiddenLine xmlns:a14="http://schemas.microsoft.com/office/drawing/2010/main" xmlns="" w="9525">
+                  <a14:hiddenLine xmlns="" xmlns:a14="http://schemas.microsoft.com/office/drawing/2010/main" w="9525">
                     <a:solidFill>
                       <a:srgbClr val="000000"/>
                     </a:solidFill>
@@ -11965,7 +11977,7 @@
               </a:ln>
               <a:extLst>
                 <a:ext uri="{91240B29-F687-4f45-9708-019B960494DF}">
-                  <a14:hiddenLine xmlns:a14="http://schemas.microsoft.com/office/drawing/2010/main" xmlns="" w="9525">
+                  <a14:hiddenLine xmlns="" xmlns:a14="http://schemas.microsoft.com/office/drawing/2010/main" w="9525">
                     <a:solidFill>
                       <a:srgbClr val="000000"/>
                     </a:solidFill>
@@ -12080,7 +12092,7 @@
               </a:ln>
               <a:extLst>
                 <a:ext uri="{91240B29-F687-4f45-9708-019B960494DF}">
-                  <a14:hiddenLine xmlns:a14="http://schemas.microsoft.com/office/drawing/2010/main" xmlns="" w="9525">
+                  <a14:hiddenLine xmlns="" xmlns:a14="http://schemas.microsoft.com/office/drawing/2010/main" w="9525">
                     <a:solidFill>
                       <a:srgbClr val="000000"/>
                     </a:solidFill>
@@ -12170,7 +12182,7 @@
               </a:ln>
               <a:extLst>
                 <a:ext uri="{91240B29-F687-4f45-9708-019B960494DF}">
-                  <a14:hiddenLine xmlns:a14="http://schemas.microsoft.com/office/drawing/2010/main" xmlns="" w="9525">
+                  <a14:hiddenLine xmlns="" xmlns:a14="http://schemas.microsoft.com/office/drawing/2010/main" w="9525">
                     <a:solidFill>
                       <a:srgbClr val="000000"/>
                     </a:solidFill>
@@ -12235,7 +12247,7 @@
               </a:ln>
               <a:extLst>
                 <a:ext uri="{91240B29-F687-4f45-9708-019B960494DF}">
-                  <a14:hiddenLine xmlns:a14="http://schemas.microsoft.com/office/drawing/2010/main" xmlns="" w="9525">
+                  <a14:hiddenLine xmlns="" xmlns:a14="http://schemas.microsoft.com/office/drawing/2010/main" w="9525">
                     <a:solidFill>
                       <a:srgbClr val="000000"/>
                     </a:solidFill>
@@ -12325,7 +12337,7 @@
               </a:ln>
               <a:extLst>
                 <a:ext uri="{91240B29-F687-4f45-9708-019B960494DF}">
-                  <a14:hiddenLine xmlns:a14="http://schemas.microsoft.com/office/drawing/2010/main" xmlns="" w="9525">
+                  <a14:hiddenLine xmlns="" xmlns:a14="http://schemas.microsoft.com/office/drawing/2010/main" w="9525">
                     <a:solidFill>
                       <a:srgbClr val="000000"/>
                     </a:solidFill>
@@ -12393,7 +12405,7 @@
               </a:ln>
               <a:extLst>
                 <a:ext uri="{91240B29-F687-4f45-9708-019B960494DF}">
-                  <a14:hiddenLine xmlns:a14="http://schemas.microsoft.com/office/drawing/2010/main" xmlns="" w="9525">
+                  <a14:hiddenLine xmlns="" xmlns:a14="http://schemas.microsoft.com/office/drawing/2010/main" w="9525">
                     <a:solidFill>
                       <a:srgbClr val="000000"/>
                     </a:solidFill>
@@ -12483,7 +12495,7 @@
               </a:ln>
               <a:extLst>
                 <a:ext uri="{91240B29-F687-4f45-9708-019B960494DF}">
-                  <a14:hiddenLine xmlns:a14="http://schemas.microsoft.com/office/drawing/2010/main" xmlns="" w="9525">
+                  <a14:hiddenLine xmlns="" xmlns:a14="http://schemas.microsoft.com/office/drawing/2010/main" w="9525">
                     <a:solidFill>
                       <a:srgbClr val="000000"/>
                     </a:solidFill>
@@ -12551,7 +12563,7 @@
               </a:ln>
               <a:extLst>
                 <a:ext uri="{91240B29-F687-4f45-9708-019B960494DF}">
-                  <a14:hiddenLine xmlns:a14="http://schemas.microsoft.com/office/drawing/2010/main" xmlns="" w="9525">
+                  <a14:hiddenLine xmlns="" xmlns:a14="http://schemas.microsoft.com/office/drawing/2010/main" w="9525">
                     <a:solidFill>
                       <a:srgbClr val="000000"/>
                     </a:solidFill>
@@ -12641,7 +12653,7 @@
               </a:ln>
               <a:extLst>
                 <a:ext uri="{91240B29-F687-4f45-9708-019B960494DF}">
-                  <a14:hiddenLine xmlns:a14="http://schemas.microsoft.com/office/drawing/2010/main" xmlns="" w="9525">
+                  <a14:hiddenLine xmlns="" xmlns:a14="http://schemas.microsoft.com/office/drawing/2010/main" w="9525">
                     <a:solidFill>
                       <a:srgbClr val="000000"/>
                     </a:solidFill>
@@ -12675,7 +12687,7 @@
               </a:ln>
               <a:extLst>
                 <a:ext uri="{91240B29-F687-4f45-9708-019B960494DF}">
-                  <a14:hiddenLine xmlns:a14="http://schemas.microsoft.com/office/drawing/2010/main" xmlns="" w="9525">
+                  <a14:hiddenLine xmlns="" xmlns:a14="http://schemas.microsoft.com/office/drawing/2010/main" w="9525">
                     <a:solidFill>
                       <a:srgbClr val="000000"/>
                     </a:solidFill>
@@ -12824,7 +12836,7 @@
             <a:fld id="{48A87A34-81AB-432B-8DAE-1953F412C126}" type="datetimeFigureOut">
               <a:rPr lang="en-US" dirty="0"/>
               <a:pPr/>
-              <a:t>11/7/2018</a:t>
+              <a:t>11/13/2018</a:t>
             </a:fld>
             <a:endParaRPr lang="en-US" dirty="0"/>
           </a:p>
@@ -13262,9 +13274,36 @@
           <a:lstStyle/>
           <a:p>
             <a:r>
-              <a:rPr kumimoji="1" lang="ja-JP" altLang="en-US"/>
-              <a:t>グループ２ー発表資料</a:t>
-            </a:r>
+              <a:rPr lang="en-US" altLang="ja-JP" dirty="0">
+                <a:latin typeface="HGｺﾞｼｯｸE" panose="020B0909000000000000" pitchFamily="49" charset="-128"/>
+                <a:ea typeface="HGｺﾞｼｯｸE" panose="020B0909000000000000" pitchFamily="49" charset="-128"/>
+              </a:rPr>
+              <a:t>C11</a:t>
+            </a:r>
+            <a:r>
+              <a:rPr lang="ja-JP" altLang="en-US" dirty="0">
+                <a:latin typeface="HGｺﾞｼｯｸE" panose="020B0909000000000000" pitchFamily="49" charset="-128"/>
+                <a:ea typeface="HGｺﾞｼｯｸE" panose="020B0909000000000000" pitchFamily="49" charset="-128"/>
+              </a:rPr>
+              <a:t>セキュアライブラリ</a:t>
+            </a:r>
+            <a:br>
+              <a:rPr lang="en-US" altLang="ja-JP" dirty="0">
+                <a:latin typeface="HGｺﾞｼｯｸE" panose="020B0909000000000000" pitchFamily="49" charset="-128"/>
+                <a:ea typeface="HGｺﾞｼｯｸE" panose="020B0909000000000000" pitchFamily="49" charset="-128"/>
+              </a:rPr>
+            </a:br>
+            <a:r>
+              <a:rPr lang="ja-JP" altLang="en-US" dirty="0">
+                <a:latin typeface="HGｺﾞｼｯｸE" panose="020B0909000000000000" pitchFamily="49" charset="-128"/>
+                <a:ea typeface="HGｺﾞｼｯｸE" panose="020B0909000000000000" pitchFamily="49" charset="-128"/>
+              </a:rPr>
+              <a:t>グループ２</a:t>
+            </a:r>
+            <a:endParaRPr kumimoji="1" lang="ja-JP" altLang="en-US" dirty="0">
+              <a:latin typeface="HGｺﾞｼｯｸE" panose="020B0909000000000000" pitchFamily="49" charset="-128"/>
+              <a:ea typeface="HGｺﾞｼｯｸE" panose="020B0909000000000000" pitchFamily="49" charset="-128"/>
+            </a:endParaRPr>
           </a:p>
         </p:txBody>
       </p:sp>
@@ -13287,57 +13326,52 @@
         <p:spPr/>
         <p:txBody>
           <a:bodyPr>
-            <a:normAutofit/>
+            <a:normAutofit fontScale="92500" lnSpcReduction="20000"/>
           </a:bodyPr>
           <a:lstStyle/>
           <a:p>
-            <a:r>
-              <a:rPr lang="en-US" altLang="ja-JP" dirty="0"/>
-              <a:t>C11</a:t>
-            </a:r>
-            <a:r>
-              <a:rPr lang="ja-JP" altLang="en-US" dirty="0"/>
-              <a:t>セキュリティライブラリ</a:t>
-            </a:r>
-            <a:endParaRPr lang="en-US" altLang="ja-JP" dirty="0"/>
-          </a:p>
-          <a:p>
-            <a:endParaRPr kumimoji="1" lang="en-US" altLang="ja-JP" dirty="0"/>
-          </a:p>
-          <a:p>
-            <a:r>
-              <a:rPr lang="ja-JP" altLang="en-US" dirty="0"/>
-              <a:t>名前：</a:t>
-            </a:r>
-            <a:r>
-              <a:rPr kumimoji="1" lang="en-US" altLang="ja-JP" dirty="0"/>
+            <a:pPr algn="r"/>
+            <a:r>
+              <a:rPr lang="ja-JP" altLang="en-US" dirty="0">
+                <a:latin typeface="HGSｺﾞｼｯｸE" panose="020B0900000000000000" pitchFamily="50" charset="-128"/>
+                <a:ea typeface="HGSｺﾞｼｯｸE" panose="020B0900000000000000" pitchFamily="50" charset="-128"/>
+              </a:rPr>
+              <a:t>メンバー：</a:t>
+            </a:r>
+            <a:endParaRPr lang="en-US" altLang="ja-JP" dirty="0">
+              <a:latin typeface="HGSｺﾞｼｯｸE" panose="020B0900000000000000" pitchFamily="50" charset="-128"/>
+              <a:ea typeface="HGSｺﾞｼｯｸE" panose="020B0900000000000000" pitchFamily="50" charset="-128"/>
+            </a:endParaRPr>
+          </a:p>
+          <a:p>
+            <a:pPr algn="r"/>
+            <a:r>
+              <a:rPr kumimoji="1" lang="en-US" altLang="ja-JP" dirty="0">
+                <a:latin typeface="HGSｺﾞｼｯｸE" panose="020B0900000000000000" pitchFamily="50" charset="-128"/>
+                <a:ea typeface="HGSｺﾞｼｯｸE" panose="020B0900000000000000" pitchFamily="50" charset="-128"/>
+              </a:rPr>
+              <a:t>F</a:t>
+            </a:r>
+          </a:p>
+          <a:p>
+            <a:pPr algn="r"/>
+            <a:r>
+              <a:rPr lang="en-US" altLang="ja-JP" dirty="0">
+                <a:latin typeface="HGSｺﾞｼｯｸE" panose="020B0900000000000000" pitchFamily="50" charset="-128"/>
+                <a:ea typeface="HGSｺﾞｼｯｸE" panose="020B0900000000000000" pitchFamily="50" charset="-128"/>
+              </a:rPr>
               <a:t>W</a:t>
             </a:r>
-            <a:r>
-              <a:rPr lang="ja-JP" altLang="en-US" dirty="0" err="1"/>
-              <a:t>、</a:t>
-            </a:r>
-            <a:r>
-              <a:rPr lang="en-US" altLang="ja-JP" dirty="0"/>
+          </a:p>
+          <a:p>
+            <a:pPr algn="r"/>
+            <a:r>
+              <a:rPr kumimoji="1" lang="en-US" altLang="ja-JP" dirty="0">
+                <a:latin typeface="HGSｺﾞｼｯｸE" panose="020B0900000000000000" pitchFamily="50" charset="-128"/>
+                <a:ea typeface="HGSｺﾞｼｯｸE" panose="020B0900000000000000" pitchFamily="50" charset="-128"/>
+              </a:rPr>
               <a:t>K</a:t>
             </a:r>
-            <a:r>
-              <a:rPr lang="ja-JP" altLang="en-US" dirty="0" err="1"/>
-              <a:t>、</a:t>
-            </a:r>
-            <a:r>
-              <a:rPr lang="en-US" altLang="ja-JP" dirty="0"/>
-              <a:t>F(</a:t>
-            </a:r>
-            <a:r>
-              <a:rPr lang="ja-JP" altLang="en-US"/>
-              <a:t>最後に書き込み</a:t>
-            </a:r>
-            <a:r>
-              <a:rPr lang="en-US" altLang="ja-JP"/>
-              <a:t>)</a:t>
-            </a:r>
-            <a:endParaRPr kumimoji="1" lang="en-US" altLang="ja-JP" dirty="0"/>
           </a:p>
         </p:txBody>
       </p:sp>
@@ -13345,6 +13379,2331 @@
     <p:extLst>
       <p:ext uri="{BB962C8B-B14F-4D97-AF65-F5344CB8AC3E}">
         <p14:creationId xmlns:p14="http://schemas.microsoft.com/office/powerpoint/2010/main" val="144510454"/>
+      </p:ext>
+    </p:extLst>
+  </p:cSld>
+  <p:clrMapOvr>
+    <a:masterClrMapping/>
+  </p:clrMapOvr>
+</p:sld>
+</file>
+
+<file path=ppt/slides/slide10.xml><?xml version="1.0" encoding="utf-8"?>
+<p:sld xmlns:a="http://schemas.openxmlformats.org/drawingml/2006/main" xmlns:r="http://schemas.openxmlformats.org/officeDocument/2006/relationships" xmlns:p="http://schemas.openxmlformats.org/presentationml/2006/main">
+  <p:cSld>
+    <p:spTree>
+      <p:nvGrpSpPr>
+        <p:cNvPr id="1" name=""/>
+        <p:cNvGrpSpPr/>
+        <p:nvPr/>
+      </p:nvGrpSpPr>
+      <p:grpSpPr>
+        <a:xfrm>
+          <a:off x="0" y="0"/>
+          <a:ext cx="0" cy="0"/>
+          <a:chOff x="0" y="0"/>
+          <a:chExt cx="0" cy="0"/>
+        </a:xfrm>
+      </p:grpSpPr>
+      <p:sp>
+        <p:nvSpPr>
+          <p:cNvPr id="3" name="コンテンツ プレースホルダー 2">
+            <a:extLst>
+              <a:ext uri="{FF2B5EF4-FFF2-40B4-BE49-F238E27FC236}">
+                <a16:creationId xmlns:a16="http://schemas.microsoft.com/office/drawing/2014/main" id="{E8029326-8982-7942-8E08-1380A809B949}"/>
+              </a:ext>
+            </a:extLst>
+          </p:cNvPr>
+          <p:cNvSpPr>
+            <a:spLocks noGrp="1"/>
+          </p:cNvSpPr>
+          <p:nvPr>
+            <p:ph idx="1"/>
+          </p:nvPr>
+        </p:nvSpPr>
+        <p:spPr>
+          <a:xfrm>
+            <a:off x="1141412" y="178130"/>
+            <a:ext cx="9905999" cy="5613071"/>
+          </a:xfrm>
+        </p:spPr>
+        <p:txBody>
+          <a:bodyPr>
+            <a:normAutofit/>
+          </a:bodyPr>
+          <a:lstStyle/>
+          <a:p>
+            <a:pPr marL="0" indent="0">
+              <a:buNone/>
+            </a:pPr>
+            <a:r>
+              <a:rPr lang="en-US" altLang="ja-JP" sz="3600" dirty="0" err="1"/>
+              <a:t>getenv</a:t>
+            </a:r>
+            <a:r>
+              <a:rPr lang="ja-JP" altLang="en-US" sz="3600"/>
+              <a:t>に関する脆弱性</a:t>
+            </a:r>
+            <a:endParaRPr kumimoji="1" lang="ja-JP" altLang="en-US" sz="3600"/>
+          </a:p>
+        </p:txBody>
+      </p:sp>
+      <p:pic>
+        <p:nvPicPr>
+          <p:cNvPr id="5" name="図 4">
+            <a:extLst>
+              <a:ext uri="{FF2B5EF4-FFF2-40B4-BE49-F238E27FC236}">
+                <a16:creationId xmlns:a16="http://schemas.microsoft.com/office/drawing/2014/main" id="{2CA2E642-9661-6740-A1A0-AF86549BCC2A}"/>
+              </a:ext>
+            </a:extLst>
+          </p:cNvPr>
+          <p:cNvPicPr>
+            <a:picLocks noChangeAspect="1"/>
+          </p:cNvPicPr>
+          <p:nvPr/>
+        </p:nvPicPr>
+        <p:blipFill>
+          <a:blip r:embed="rId2"/>
+          <a:stretch>
+            <a:fillRect/>
+          </a:stretch>
+        </p:blipFill>
+        <p:spPr>
+          <a:xfrm>
+            <a:off x="0" y="826800"/>
+            <a:ext cx="12192000" cy="6043075"/>
+          </a:xfrm>
+          <a:prstGeom prst="rect">
+            <a:avLst/>
+          </a:prstGeom>
+        </p:spPr>
+      </p:pic>
+      <p:sp>
+        <p:nvSpPr>
+          <p:cNvPr id="6" name="テキスト ボックス 5">
+            <a:extLst>
+              <a:ext uri="{FF2B5EF4-FFF2-40B4-BE49-F238E27FC236}">
+                <a16:creationId xmlns:a16="http://schemas.microsoft.com/office/drawing/2014/main" id="{2F220D3C-26C4-D848-88D0-91A7A62E04D1}"/>
+              </a:ext>
+            </a:extLst>
+          </p:cNvPr>
+          <p:cNvSpPr txBox="1"/>
+          <p:nvPr/>
+        </p:nvSpPr>
+        <p:spPr>
+          <a:xfrm>
+            <a:off x="95003" y="6604751"/>
+            <a:ext cx="5392374" cy="307777"/>
+          </a:xfrm>
+          <a:prstGeom prst="rect">
+            <a:avLst/>
+          </a:prstGeom>
+          <a:noFill/>
+        </p:spPr>
+        <p:txBody>
+          <a:bodyPr wrap="none" rtlCol="0">
+            <a:spAutoFit/>
+          </a:bodyPr>
+          <a:lstStyle/>
+          <a:p>
+            <a:r>
+              <a:rPr kumimoji="1" lang="en-US" altLang="ja-JP" sz="1400" dirty="0">
+                <a:solidFill>
+                  <a:schemeClr val="bg1"/>
+                </a:solidFill>
+              </a:rPr>
+              <a:t>※</a:t>
+            </a:r>
+            <a:r>
+              <a:rPr kumimoji="1" lang="ja-JP" altLang="en-US" sz="1400">
+                <a:solidFill>
+                  <a:schemeClr val="bg1"/>
+                </a:solidFill>
+              </a:rPr>
+              <a:t>参考サイト：</a:t>
+            </a:r>
+            <a:r>
+              <a:rPr kumimoji="1" lang="en-US" altLang="ja-JP" sz="1400" dirty="0">
+                <a:solidFill>
+                  <a:schemeClr val="bg1"/>
+                </a:solidFill>
+              </a:rPr>
+              <a:t>https://</a:t>
+            </a:r>
+            <a:r>
+              <a:rPr kumimoji="1" lang="en-US" altLang="ja-JP" sz="1400" dirty="0" err="1">
+                <a:solidFill>
+                  <a:schemeClr val="bg1"/>
+                </a:solidFill>
+              </a:rPr>
+              <a:t>cve.mitre.org</a:t>
+            </a:r>
+            <a:r>
+              <a:rPr kumimoji="1" lang="en-US" altLang="ja-JP" sz="1400" dirty="0">
+                <a:solidFill>
+                  <a:schemeClr val="bg1"/>
+                </a:solidFill>
+              </a:rPr>
+              <a:t>/</a:t>
+            </a:r>
+            <a:r>
+              <a:rPr kumimoji="1" lang="en-US" altLang="ja-JP" sz="1400" dirty="0" err="1">
+                <a:solidFill>
+                  <a:schemeClr val="bg1"/>
+                </a:solidFill>
+              </a:rPr>
+              <a:t>cgi</a:t>
+            </a:r>
+            <a:r>
+              <a:rPr kumimoji="1" lang="en-US" altLang="ja-JP" sz="1400" dirty="0">
+                <a:solidFill>
+                  <a:schemeClr val="bg1"/>
+                </a:solidFill>
+              </a:rPr>
+              <a:t>-bin/</a:t>
+            </a:r>
+            <a:r>
+              <a:rPr kumimoji="1" lang="en-US" altLang="ja-JP" sz="1400" dirty="0" err="1">
+                <a:solidFill>
+                  <a:schemeClr val="bg1"/>
+                </a:solidFill>
+              </a:rPr>
+              <a:t>cvekey.cgi?keyword</a:t>
+            </a:r>
+            <a:r>
+              <a:rPr kumimoji="1" lang="en-US" altLang="ja-JP" sz="1400" dirty="0">
+                <a:solidFill>
+                  <a:schemeClr val="bg1"/>
+                </a:solidFill>
+              </a:rPr>
+              <a:t>=</a:t>
+            </a:r>
+            <a:r>
+              <a:rPr kumimoji="1" lang="en-US" altLang="ja-JP" sz="1400" dirty="0" err="1">
+                <a:solidFill>
+                  <a:schemeClr val="bg1"/>
+                </a:solidFill>
+              </a:rPr>
+              <a:t>getenv</a:t>
+            </a:r>
+            <a:endParaRPr kumimoji="1" lang="ja-JP" altLang="en-US" sz="1400">
+              <a:solidFill>
+                <a:schemeClr val="bg1"/>
+              </a:solidFill>
+            </a:endParaRPr>
+          </a:p>
+        </p:txBody>
+      </p:sp>
+    </p:spTree>
+    <p:extLst>
+      <p:ext uri="{BB962C8B-B14F-4D97-AF65-F5344CB8AC3E}">
+        <p14:creationId xmlns:p14="http://schemas.microsoft.com/office/powerpoint/2010/main" val="187549888"/>
+      </p:ext>
+    </p:extLst>
+  </p:cSld>
+  <p:clrMapOvr>
+    <a:masterClrMapping/>
+  </p:clrMapOvr>
+</p:sld>
+</file>
+
+<file path=ppt/slides/slide11.xml><?xml version="1.0" encoding="utf-8"?>
+<p:sld xmlns:a="http://schemas.openxmlformats.org/drawingml/2006/main" xmlns:r="http://schemas.openxmlformats.org/officeDocument/2006/relationships" xmlns:p="http://schemas.openxmlformats.org/presentationml/2006/main">
+  <p:cSld>
+    <p:spTree>
+      <p:nvGrpSpPr>
+        <p:cNvPr id="1" name=""/>
+        <p:cNvGrpSpPr/>
+        <p:nvPr/>
+      </p:nvGrpSpPr>
+      <p:grpSpPr>
+        <a:xfrm>
+          <a:off x="0" y="0"/>
+          <a:ext cx="0" cy="0"/>
+          <a:chOff x="0" y="0"/>
+          <a:chExt cx="0" cy="0"/>
+        </a:xfrm>
+      </p:grpSpPr>
+      <p:sp>
+        <p:nvSpPr>
+          <p:cNvPr id="3" name="コンテンツ プレースホルダー 2">
+            <a:extLst>
+              <a:ext uri="{FF2B5EF4-FFF2-40B4-BE49-F238E27FC236}">
+                <a16:creationId xmlns:a16="http://schemas.microsoft.com/office/drawing/2014/main" id="{878C4D21-1E97-014B-B242-36F9FE44BDAA}"/>
+              </a:ext>
+            </a:extLst>
+          </p:cNvPr>
+          <p:cNvSpPr>
+            <a:spLocks noGrp="1"/>
+          </p:cNvSpPr>
+          <p:nvPr>
+            <p:ph idx="1"/>
+          </p:nvPr>
+        </p:nvSpPr>
+        <p:spPr>
+          <a:xfrm>
+            <a:off x="1141412" y="0"/>
+            <a:ext cx="9905999" cy="5791201"/>
+          </a:xfrm>
+        </p:spPr>
+        <p:txBody>
+          <a:bodyPr/>
+          <a:lstStyle/>
+          <a:p>
+            <a:pPr marL="0" indent="0">
+              <a:buNone/>
+            </a:pPr>
+            <a:r>
+              <a:rPr lang="en-US" altLang="ja-JP" dirty="0" err="1"/>
+              <a:t>getenv</a:t>
+            </a:r>
+            <a:r>
+              <a:rPr lang="ja-JP" altLang="en-US"/>
+              <a:t>の定義</a:t>
+            </a:r>
+            <a:endParaRPr kumimoji="1" lang="ja-JP" altLang="en-US"/>
+          </a:p>
+        </p:txBody>
+      </p:sp>
+      <p:pic>
+        <p:nvPicPr>
+          <p:cNvPr id="5" name="図 4">
+            <a:extLst>
+              <a:ext uri="{FF2B5EF4-FFF2-40B4-BE49-F238E27FC236}">
+                <a16:creationId xmlns:a16="http://schemas.microsoft.com/office/drawing/2014/main" id="{05DA1BFD-A805-2344-8E5D-40891635C90A}"/>
+              </a:ext>
+            </a:extLst>
+          </p:cNvPr>
+          <p:cNvPicPr>
+            <a:picLocks noChangeAspect="1"/>
+          </p:cNvPicPr>
+          <p:nvPr/>
+        </p:nvPicPr>
+        <p:blipFill>
+          <a:blip r:embed="rId2"/>
+          <a:stretch>
+            <a:fillRect/>
+          </a:stretch>
+        </p:blipFill>
+        <p:spPr>
+          <a:xfrm>
+            <a:off x="0" y="714770"/>
+            <a:ext cx="12192000" cy="4905944"/>
+          </a:xfrm>
+          <a:prstGeom prst="rect">
+            <a:avLst/>
+          </a:prstGeom>
+        </p:spPr>
+      </p:pic>
+    </p:spTree>
+    <p:extLst>
+      <p:ext uri="{BB962C8B-B14F-4D97-AF65-F5344CB8AC3E}">
+        <p14:creationId xmlns:p14="http://schemas.microsoft.com/office/powerpoint/2010/main" val="2458649040"/>
+      </p:ext>
+    </p:extLst>
+  </p:cSld>
+  <p:clrMapOvr>
+    <a:masterClrMapping/>
+  </p:clrMapOvr>
+</p:sld>
+</file>
+
+<file path=ppt/slides/slide12.xml><?xml version="1.0" encoding="utf-8"?>
+<p:sld xmlns:a="http://schemas.openxmlformats.org/drawingml/2006/main" xmlns:r="http://schemas.openxmlformats.org/officeDocument/2006/relationships" xmlns:p="http://schemas.openxmlformats.org/presentationml/2006/main">
+  <p:cSld>
+    <p:spTree>
+      <p:nvGrpSpPr>
+        <p:cNvPr id="1" name=""/>
+        <p:cNvGrpSpPr/>
+        <p:nvPr/>
+      </p:nvGrpSpPr>
+      <p:grpSpPr>
+        <a:xfrm>
+          <a:off x="0" y="0"/>
+          <a:ext cx="0" cy="0"/>
+          <a:chOff x="0" y="0"/>
+          <a:chExt cx="0" cy="0"/>
+        </a:xfrm>
+      </p:grpSpPr>
+      <p:sp>
+        <p:nvSpPr>
+          <p:cNvPr id="3" name="コンテンツ プレースホルダー 2">
+            <a:extLst>
+              <a:ext uri="{FF2B5EF4-FFF2-40B4-BE49-F238E27FC236}">
+                <a16:creationId xmlns:a16="http://schemas.microsoft.com/office/drawing/2014/main" id="{715F8F3D-824F-234B-B60F-156C3B9D1183}"/>
+              </a:ext>
+            </a:extLst>
+          </p:cNvPr>
+          <p:cNvSpPr>
+            <a:spLocks noGrp="1"/>
+          </p:cNvSpPr>
+          <p:nvPr>
+            <p:ph idx="1"/>
+          </p:nvPr>
+        </p:nvSpPr>
+        <p:spPr>
+          <a:xfrm>
+            <a:off x="1141412" y="118753"/>
+            <a:ext cx="9905999" cy="5672448"/>
+          </a:xfrm>
+        </p:spPr>
+        <p:txBody>
+          <a:bodyPr>
+            <a:normAutofit/>
+          </a:bodyPr>
+          <a:lstStyle/>
+          <a:p>
+            <a:pPr marL="0" indent="0">
+              <a:buNone/>
+            </a:pPr>
+            <a:r>
+              <a:rPr lang="en-US" altLang="ja-JP" sz="4400" dirty="0" err="1"/>
+              <a:t>g</a:t>
+            </a:r>
+            <a:r>
+              <a:rPr kumimoji="1" lang="en-US" altLang="ja-JP" sz="4400" dirty="0" err="1"/>
+              <a:t>etenv</a:t>
+            </a:r>
+            <a:r>
+              <a:rPr kumimoji="1" lang="ja-JP" altLang="en-US" sz="4400"/>
+              <a:t>の脆弱性</a:t>
+            </a:r>
+            <a:endParaRPr kumimoji="1" lang="en-US" altLang="ja-JP" sz="4400" dirty="0"/>
+          </a:p>
+          <a:p>
+            <a:pPr marL="0" indent="0">
+              <a:buNone/>
+            </a:pPr>
+            <a:endParaRPr kumimoji="1" lang="en-US" altLang="ja-JP" sz="3600" dirty="0"/>
+          </a:p>
+          <a:p>
+            <a:pPr marL="342900" indent="-342900">
+              <a:buFont typeface="+mj-lt"/>
+              <a:buAutoNum type="arabicPeriod"/>
+            </a:pPr>
+            <a:r>
+              <a:rPr lang="ja-JP" altLang="en-US" sz="3200"/>
+              <a:t>実行ファイルの</a:t>
+            </a:r>
+            <a:r>
+              <a:rPr lang="en-US" altLang="ja-JP" sz="3200" dirty="0"/>
+              <a:t>SUID</a:t>
+            </a:r>
+            <a:r>
+              <a:rPr lang="ja-JP" altLang="en-US" sz="3200"/>
+              <a:t>が設定されている、プロセスの実行ユーザーが実行ファイルのオーナーと異なる場合、の環境変数が取得してしまう</a:t>
+            </a:r>
+            <a:endParaRPr lang="en-US" altLang="ja-JP" sz="3200" dirty="0"/>
+          </a:p>
+          <a:p>
+            <a:pPr marL="514350" indent="-514350">
+              <a:buFont typeface="+mj-lt"/>
+              <a:buAutoNum type="arabicPeriod"/>
+            </a:pPr>
+            <a:endParaRPr lang="en-US" altLang="ja-JP" sz="3200" dirty="0"/>
+          </a:p>
+          <a:p>
+            <a:pPr marL="514350" indent="-514350">
+              <a:buFont typeface="+mj-lt"/>
+              <a:buAutoNum type="arabicPeriod"/>
+            </a:pPr>
+            <a:r>
+              <a:rPr lang="ja-JP" altLang="en-US" sz="3200"/>
+              <a:t>返したアドレスが静的なアドレスであるため、内容が改ざんできてしまう</a:t>
+            </a:r>
+            <a:endParaRPr kumimoji="1" lang="ja-JP" altLang="en-US" sz="3200"/>
+          </a:p>
+        </p:txBody>
+      </p:sp>
+    </p:spTree>
+    <p:extLst>
+      <p:ext uri="{BB962C8B-B14F-4D97-AF65-F5344CB8AC3E}">
+        <p14:creationId xmlns:p14="http://schemas.microsoft.com/office/powerpoint/2010/main" val="3637384458"/>
+      </p:ext>
+    </p:extLst>
+  </p:cSld>
+  <p:clrMapOvr>
+    <a:masterClrMapping/>
+  </p:clrMapOvr>
+</p:sld>
+</file>
+
+<file path=ppt/slides/slide13.xml><?xml version="1.0" encoding="utf-8"?>
+<p:sld xmlns:a="http://schemas.openxmlformats.org/drawingml/2006/main" xmlns:r="http://schemas.openxmlformats.org/officeDocument/2006/relationships" xmlns:p="http://schemas.openxmlformats.org/presentationml/2006/main">
+  <p:cSld>
+    <p:spTree>
+      <p:nvGrpSpPr>
+        <p:cNvPr id="1" name=""/>
+        <p:cNvGrpSpPr/>
+        <p:nvPr/>
+      </p:nvGrpSpPr>
+      <p:grpSpPr>
+        <a:xfrm>
+          <a:off x="0" y="0"/>
+          <a:ext cx="0" cy="0"/>
+          <a:chOff x="0" y="0"/>
+          <a:chExt cx="0" cy="0"/>
+        </a:xfrm>
+      </p:grpSpPr>
+      <p:sp>
+        <p:nvSpPr>
+          <p:cNvPr id="3" name="コンテンツ プレースホルダー 2">
+            <a:extLst>
+              <a:ext uri="{FF2B5EF4-FFF2-40B4-BE49-F238E27FC236}">
+                <a16:creationId xmlns:a16="http://schemas.microsoft.com/office/drawing/2014/main" id="{66FA8781-9DD5-D943-A4CE-A2998C283E97}"/>
+              </a:ext>
+            </a:extLst>
+          </p:cNvPr>
+          <p:cNvSpPr>
+            <a:spLocks noGrp="1"/>
+          </p:cNvSpPr>
+          <p:nvPr>
+            <p:ph idx="1"/>
+          </p:nvPr>
+        </p:nvSpPr>
+        <p:spPr>
+          <a:xfrm>
+            <a:off x="1141412" y="225631"/>
+            <a:ext cx="9905999" cy="665018"/>
+          </a:xfrm>
+        </p:spPr>
+        <p:txBody>
+          <a:bodyPr/>
+          <a:lstStyle/>
+          <a:p>
+            <a:pPr marL="0" indent="0">
+              <a:buNone/>
+            </a:pPr>
+            <a:r>
+              <a:rPr lang="en-US" altLang="ja-JP" dirty="0" err="1"/>
+              <a:t>g</a:t>
+            </a:r>
+            <a:r>
+              <a:rPr kumimoji="1" lang="en-US" altLang="ja-JP" dirty="0" err="1"/>
+              <a:t>etenv_s</a:t>
+            </a:r>
+            <a:r>
+              <a:rPr kumimoji="1" lang="ja-JP" altLang="en-US"/>
+              <a:t>のソースコード</a:t>
+            </a:r>
+            <a:endParaRPr kumimoji="1" lang="en-US" altLang="ja-JP" dirty="0"/>
+          </a:p>
+          <a:p>
+            <a:pPr marL="0" indent="0">
+              <a:buNone/>
+            </a:pPr>
+            <a:endParaRPr kumimoji="1" lang="en-US" altLang="ja-JP" dirty="0"/>
+          </a:p>
+          <a:p>
+            <a:pPr marL="0" indent="0">
+              <a:buNone/>
+            </a:pPr>
+            <a:endParaRPr lang="en-US" altLang="ja-JP" dirty="0"/>
+          </a:p>
+        </p:txBody>
+      </p:sp>
+      <p:pic>
+        <p:nvPicPr>
+          <p:cNvPr id="8" name="図 7">
+            <a:extLst>
+              <a:ext uri="{FF2B5EF4-FFF2-40B4-BE49-F238E27FC236}">
+                <a16:creationId xmlns:a16="http://schemas.microsoft.com/office/drawing/2014/main" id="{7B61046C-F95A-EA4D-A47C-B1F14B6246A7}"/>
+              </a:ext>
+            </a:extLst>
+          </p:cNvPr>
+          <p:cNvPicPr>
+            <a:picLocks noChangeAspect="1"/>
+          </p:cNvPicPr>
+          <p:nvPr/>
+        </p:nvPicPr>
+        <p:blipFill>
+          <a:blip r:embed="rId2"/>
+          <a:stretch>
+            <a:fillRect/>
+          </a:stretch>
+        </p:blipFill>
+        <p:spPr>
+          <a:xfrm>
+            <a:off x="858487" y="748147"/>
+            <a:ext cx="5397330" cy="1104404"/>
+          </a:xfrm>
+          <a:prstGeom prst="rect">
+            <a:avLst/>
+          </a:prstGeom>
+        </p:spPr>
+      </p:pic>
+      <p:pic>
+        <p:nvPicPr>
+          <p:cNvPr id="12" name="図 11">
+            <a:extLst>
+              <a:ext uri="{FF2B5EF4-FFF2-40B4-BE49-F238E27FC236}">
+                <a16:creationId xmlns:a16="http://schemas.microsoft.com/office/drawing/2014/main" id="{BEE23840-D2A9-5E4B-B7FC-7280AFAC0C65}"/>
+              </a:ext>
+            </a:extLst>
+          </p:cNvPr>
+          <p:cNvPicPr>
+            <a:picLocks noChangeAspect="1"/>
+          </p:cNvPicPr>
+          <p:nvPr/>
+        </p:nvPicPr>
+        <p:blipFill>
+          <a:blip r:embed="rId3"/>
+          <a:stretch>
+            <a:fillRect/>
+          </a:stretch>
+        </p:blipFill>
+        <p:spPr>
+          <a:xfrm>
+            <a:off x="858487" y="2009828"/>
+            <a:ext cx="3590046" cy="1018380"/>
+          </a:xfrm>
+          <a:prstGeom prst="rect">
+            <a:avLst/>
+          </a:prstGeom>
+        </p:spPr>
+      </p:pic>
+      <p:pic>
+        <p:nvPicPr>
+          <p:cNvPr id="14" name="図 13">
+            <a:extLst>
+              <a:ext uri="{FF2B5EF4-FFF2-40B4-BE49-F238E27FC236}">
+                <a16:creationId xmlns:a16="http://schemas.microsoft.com/office/drawing/2014/main" id="{FFF52CB3-12F7-EF49-96F1-8CD0CF9F3D96}"/>
+              </a:ext>
+            </a:extLst>
+          </p:cNvPr>
+          <p:cNvPicPr>
+            <a:picLocks noChangeAspect="1"/>
+          </p:cNvPicPr>
+          <p:nvPr/>
+        </p:nvPicPr>
+        <p:blipFill>
+          <a:blip r:embed="rId4"/>
+          <a:stretch>
+            <a:fillRect/>
+          </a:stretch>
+        </p:blipFill>
+        <p:spPr>
+          <a:xfrm>
+            <a:off x="678461" y="3276749"/>
+            <a:ext cx="7162219" cy="2803417"/>
+          </a:xfrm>
+          <a:prstGeom prst="rect">
+            <a:avLst/>
+          </a:prstGeom>
+        </p:spPr>
+      </p:pic>
+      <p:sp>
+        <p:nvSpPr>
+          <p:cNvPr id="15" name="四角形吹き出し 14">
+            <a:extLst>
+              <a:ext uri="{FF2B5EF4-FFF2-40B4-BE49-F238E27FC236}">
+                <a16:creationId xmlns:a16="http://schemas.microsoft.com/office/drawing/2014/main" id="{931F2EE2-E78E-B149-B48E-1BBDD3BCA9C4}"/>
+              </a:ext>
+            </a:extLst>
+          </p:cNvPr>
+          <p:cNvSpPr/>
+          <p:nvPr/>
+        </p:nvSpPr>
+        <p:spPr>
+          <a:xfrm>
+            <a:off x="7493330" y="558140"/>
+            <a:ext cx="2743199" cy="1543792"/>
+          </a:xfrm>
+          <a:prstGeom prst="wedgeRectCallout">
+            <a:avLst>
+              <a:gd name="adj1" fmla="val -108461"/>
+              <a:gd name="adj2" fmla="val -19039"/>
+            </a:avLst>
+          </a:prstGeom>
+        </p:spPr>
+        <p:style>
+          <a:lnRef idx="2">
+            <a:schemeClr val="accent1">
+              <a:shade val="50000"/>
+            </a:schemeClr>
+          </a:lnRef>
+          <a:fillRef idx="1">
+            <a:schemeClr val="accent1"/>
+          </a:fillRef>
+          <a:effectRef idx="0">
+            <a:schemeClr val="accent1"/>
+          </a:effectRef>
+          <a:fontRef idx="minor">
+            <a:schemeClr val="lt1"/>
+          </a:fontRef>
+        </p:style>
+        <p:txBody>
+          <a:bodyPr rtlCol="0" anchor="t"/>
+          <a:lstStyle/>
+          <a:p>
+            <a:r>
+              <a:rPr kumimoji="1" lang="ja-JP" altLang="en-US"/>
+              <a:t>環境変数の値を受け取るアドレスと最大サイズが指定されている</a:t>
+            </a:r>
+          </a:p>
+        </p:txBody>
+      </p:sp>
+      <p:sp>
+        <p:nvSpPr>
+          <p:cNvPr id="16" name="四角形吹き出し 15">
+            <a:extLst>
+              <a:ext uri="{FF2B5EF4-FFF2-40B4-BE49-F238E27FC236}">
+                <a16:creationId xmlns:a16="http://schemas.microsoft.com/office/drawing/2014/main" id="{785931C5-BCED-C649-914E-702A53B58CF1}"/>
+              </a:ext>
+            </a:extLst>
+          </p:cNvPr>
+          <p:cNvSpPr/>
+          <p:nvPr/>
+        </p:nvSpPr>
+        <p:spPr>
+          <a:xfrm>
+            <a:off x="7493330" y="2350473"/>
+            <a:ext cx="2743199" cy="1782140"/>
+          </a:xfrm>
+          <a:prstGeom prst="wedgeRectCallout">
+            <a:avLst>
+              <a:gd name="adj1" fmla="val -178159"/>
+              <a:gd name="adj2" fmla="val -54271"/>
+            </a:avLst>
+          </a:prstGeom>
+        </p:spPr>
+        <p:style>
+          <a:lnRef idx="2">
+            <a:schemeClr val="accent1">
+              <a:shade val="50000"/>
+            </a:schemeClr>
+          </a:lnRef>
+          <a:fillRef idx="1">
+            <a:schemeClr val="accent1"/>
+          </a:fillRef>
+          <a:effectRef idx="0">
+            <a:schemeClr val="accent1"/>
+          </a:effectRef>
+          <a:fontRef idx="minor">
+            <a:schemeClr val="lt1"/>
+          </a:fontRef>
+        </p:style>
+        <p:txBody>
+          <a:bodyPr rtlCol="0" anchor="t"/>
+          <a:lstStyle/>
+          <a:p>
+            <a:r>
+              <a:rPr kumimoji="1" lang="en-US" altLang="ja-JP" dirty="0" err="1"/>
+              <a:t>secure_getenv</a:t>
+            </a:r>
+            <a:r>
+              <a:rPr kumimoji="1" lang="ja-JP" altLang="en-US"/>
+              <a:t>によって、実行ファイルの</a:t>
+            </a:r>
+            <a:r>
+              <a:rPr kumimoji="1" lang="en-US" altLang="ja-JP" dirty="0"/>
+              <a:t>SUID</a:t>
+            </a:r>
+            <a:r>
+              <a:rPr kumimoji="1" lang="ja-JP" altLang="en-US"/>
+              <a:t>が設定されている場合、実行プロセスのユーザーは実行ファイルのオーナーと断る場合、環境変数が取得できない</a:t>
+            </a:r>
+          </a:p>
+        </p:txBody>
+      </p:sp>
+      <p:sp>
+        <p:nvSpPr>
+          <p:cNvPr id="17" name="四角形吹き出し 16">
+            <a:extLst>
+              <a:ext uri="{FF2B5EF4-FFF2-40B4-BE49-F238E27FC236}">
+                <a16:creationId xmlns:a16="http://schemas.microsoft.com/office/drawing/2014/main" id="{28C06095-CE5C-324D-89DA-6DD3C81833DD}"/>
+              </a:ext>
+            </a:extLst>
+          </p:cNvPr>
+          <p:cNvSpPr/>
+          <p:nvPr/>
+        </p:nvSpPr>
+        <p:spPr>
+          <a:xfrm>
+            <a:off x="7493329" y="4546567"/>
+            <a:ext cx="2743199" cy="1543792"/>
+          </a:xfrm>
+          <a:prstGeom prst="wedgeRectCallout">
+            <a:avLst>
+              <a:gd name="adj1" fmla="val -179458"/>
+              <a:gd name="adj2" fmla="val -3653"/>
+            </a:avLst>
+          </a:prstGeom>
+        </p:spPr>
+        <p:style>
+          <a:lnRef idx="2">
+            <a:schemeClr val="accent1">
+              <a:shade val="50000"/>
+            </a:schemeClr>
+          </a:lnRef>
+          <a:fillRef idx="1">
+            <a:schemeClr val="accent1"/>
+          </a:fillRef>
+          <a:effectRef idx="0">
+            <a:schemeClr val="accent1"/>
+          </a:effectRef>
+          <a:fontRef idx="minor">
+            <a:schemeClr val="lt1"/>
+          </a:fontRef>
+        </p:style>
+        <p:txBody>
+          <a:bodyPr rtlCol="0" anchor="t"/>
+          <a:lstStyle/>
+          <a:p>
+            <a:r>
+              <a:rPr kumimoji="1" lang="ja-JP" altLang="en-US"/>
+              <a:t>取得できた環境変数の値（静的なアドレス）を用意されたアドレスにコピーする</a:t>
+            </a:r>
+          </a:p>
+        </p:txBody>
+      </p:sp>
+      <p:sp>
+        <p:nvSpPr>
+          <p:cNvPr id="18" name="正方形/長方形 17">
+            <a:extLst>
+              <a:ext uri="{FF2B5EF4-FFF2-40B4-BE49-F238E27FC236}">
+                <a16:creationId xmlns:a16="http://schemas.microsoft.com/office/drawing/2014/main" id="{AE9CCF00-452C-0D4D-96DE-AD2CF4618997}"/>
+              </a:ext>
+            </a:extLst>
+          </p:cNvPr>
+          <p:cNvSpPr/>
+          <p:nvPr/>
+        </p:nvSpPr>
+        <p:spPr>
+          <a:xfrm>
+            <a:off x="1460665" y="2185059"/>
+            <a:ext cx="2422566" cy="190007"/>
+          </a:xfrm>
+          <a:prstGeom prst="rect">
+            <a:avLst/>
+          </a:prstGeom>
+          <a:noFill/>
+          <a:ln w="38100">
+            <a:solidFill>
+              <a:srgbClr val="FF0000"/>
+            </a:solidFill>
+          </a:ln>
+        </p:spPr>
+        <p:style>
+          <a:lnRef idx="2">
+            <a:schemeClr val="accent1">
+              <a:shade val="50000"/>
+            </a:schemeClr>
+          </a:lnRef>
+          <a:fillRef idx="1">
+            <a:schemeClr val="accent1"/>
+          </a:fillRef>
+          <a:effectRef idx="0">
+            <a:schemeClr val="accent1"/>
+          </a:effectRef>
+          <a:fontRef idx="minor">
+            <a:schemeClr val="lt1"/>
+          </a:fontRef>
+        </p:style>
+        <p:txBody>
+          <a:bodyPr rtlCol="0" anchor="ctr"/>
+          <a:lstStyle/>
+          <a:p>
+            <a:pPr algn="ctr"/>
+            <a:endParaRPr kumimoji="1" lang="ja-JP" altLang="en-US"/>
+          </a:p>
+        </p:txBody>
+      </p:sp>
+      <p:sp>
+        <p:nvSpPr>
+          <p:cNvPr id="19" name="正方形/長方形 18">
+            <a:extLst>
+              <a:ext uri="{FF2B5EF4-FFF2-40B4-BE49-F238E27FC236}">
+                <a16:creationId xmlns:a16="http://schemas.microsoft.com/office/drawing/2014/main" id="{C2ADEA44-D955-0C47-AC64-DA56314167A1}"/>
+              </a:ext>
+            </a:extLst>
+          </p:cNvPr>
+          <p:cNvSpPr/>
+          <p:nvPr/>
+        </p:nvSpPr>
+        <p:spPr>
+          <a:xfrm>
+            <a:off x="1838696" y="5140038"/>
+            <a:ext cx="2044535" cy="180108"/>
+          </a:xfrm>
+          <a:prstGeom prst="rect">
+            <a:avLst/>
+          </a:prstGeom>
+          <a:noFill/>
+          <a:ln w="38100">
+            <a:solidFill>
+              <a:srgbClr val="FF0000"/>
+            </a:solidFill>
+          </a:ln>
+        </p:spPr>
+        <p:style>
+          <a:lnRef idx="2">
+            <a:schemeClr val="accent1">
+              <a:shade val="50000"/>
+            </a:schemeClr>
+          </a:lnRef>
+          <a:fillRef idx="1">
+            <a:schemeClr val="accent1"/>
+          </a:fillRef>
+          <a:effectRef idx="0">
+            <a:schemeClr val="accent1"/>
+          </a:effectRef>
+          <a:fontRef idx="minor">
+            <a:schemeClr val="lt1"/>
+          </a:fontRef>
+        </p:style>
+        <p:txBody>
+          <a:bodyPr rtlCol="0" anchor="ctr"/>
+          <a:lstStyle/>
+          <a:p>
+            <a:pPr algn="ctr"/>
+            <a:endParaRPr kumimoji="1" lang="ja-JP" altLang="en-US"/>
+          </a:p>
+        </p:txBody>
+      </p:sp>
+      <p:sp>
+        <p:nvSpPr>
+          <p:cNvPr id="20" name="正方形/長方形 19">
+            <a:extLst>
+              <a:ext uri="{FF2B5EF4-FFF2-40B4-BE49-F238E27FC236}">
+                <a16:creationId xmlns:a16="http://schemas.microsoft.com/office/drawing/2014/main" id="{4C03B479-AA8E-234B-B97A-06500F3474EF}"/>
+              </a:ext>
+            </a:extLst>
+          </p:cNvPr>
+          <p:cNvSpPr/>
+          <p:nvPr/>
+        </p:nvSpPr>
+        <p:spPr>
+          <a:xfrm>
+            <a:off x="3524990" y="876792"/>
+            <a:ext cx="2317670" cy="238647"/>
+          </a:xfrm>
+          <a:prstGeom prst="rect">
+            <a:avLst/>
+          </a:prstGeom>
+          <a:noFill/>
+          <a:ln w="38100">
+            <a:solidFill>
+              <a:srgbClr val="FF0000"/>
+            </a:solidFill>
+          </a:ln>
+        </p:spPr>
+        <p:style>
+          <a:lnRef idx="2">
+            <a:schemeClr val="accent1">
+              <a:shade val="50000"/>
+            </a:schemeClr>
+          </a:lnRef>
+          <a:fillRef idx="1">
+            <a:schemeClr val="accent1"/>
+          </a:fillRef>
+          <a:effectRef idx="0">
+            <a:schemeClr val="accent1"/>
+          </a:effectRef>
+          <a:fontRef idx="minor">
+            <a:schemeClr val="lt1"/>
+          </a:fontRef>
+        </p:style>
+        <p:txBody>
+          <a:bodyPr rtlCol="0" anchor="ctr"/>
+          <a:lstStyle/>
+          <a:p>
+            <a:pPr algn="ctr"/>
+            <a:endParaRPr kumimoji="1" lang="ja-JP" altLang="en-US"/>
+          </a:p>
+        </p:txBody>
+      </p:sp>
+    </p:spTree>
+    <p:extLst>
+      <p:ext uri="{BB962C8B-B14F-4D97-AF65-F5344CB8AC3E}">
+        <p14:creationId xmlns:p14="http://schemas.microsoft.com/office/powerpoint/2010/main" val="2143228020"/>
+      </p:ext>
+    </p:extLst>
+  </p:cSld>
+  <p:clrMapOvr>
+    <a:masterClrMapping/>
+  </p:clrMapOvr>
+</p:sld>
+</file>
+
+<file path=ppt/slides/slide14.xml><?xml version="1.0" encoding="utf-8"?>
+<p:sld xmlns:a="http://schemas.openxmlformats.org/drawingml/2006/main" xmlns:r="http://schemas.openxmlformats.org/officeDocument/2006/relationships" xmlns:p="http://schemas.openxmlformats.org/presentationml/2006/main">
+  <p:cSld>
+    <p:spTree>
+      <p:nvGrpSpPr>
+        <p:cNvPr id="1" name=""/>
+        <p:cNvGrpSpPr/>
+        <p:nvPr/>
+      </p:nvGrpSpPr>
+      <p:grpSpPr>
+        <a:xfrm>
+          <a:off x="0" y="0"/>
+          <a:ext cx="0" cy="0"/>
+          <a:chOff x="0" y="0"/>
+          <a:chExt cx="0" cy="0"/>
+        </a:xfrm>
+      </p:grpSpPr>
+      <p:pic>
+        <p:nvPicPr>
+          <p:cNvPr id="5" name="図 4">
+            <a:extLst>
+              <a:ext uri="{FF2B5EF4-FFF2-40B4-BE49-F238E27FC236}">
+                <a16:creationId xmlns:a16="http://schemas.microsoft.com/office/drawing/2014/main" id="{2FAAEC16-165B-A84E-9EC5-10557EAC3D8D}"/>
+              </a:ext>
+            </a:extLst>
+          </p:cNvPr>
+          <p:cNvPicPr>
+            <a:picLocks noChangeAspect="1"/>
+          </p:cNvPicPr>
+          <p:nvPr/>
+        </p:nvPicPr>
+        <p:blipFill>
+          <a:blip r:embed="rId2"/>
+          <a:stretch>
+            <a:fillRect/>
+          </a:stretch>
+        </p:blipFill>
+        <p:spPr>
+          <a:xfrm>
+            <a:off x="921657" y="777012"/>
+            <a:ext cx="5991453" cy="5326908"/>
+          </a:xfrm>
+          <a:prstGeom prst="rect">
+            <a:avLst/>
+          </a:prstGeom>
+        </p:spPr>
+      </p:pic>
+      <p:sp>
+        <p:nvSpPr>
+          <p:cNvPr id="6" name="テキスト ボックス 5">
+            <a:extLst>
+              <a:ext uri="{FF2B5EF4-FFF2-40B4-BE49-F238E27FC236}">
+                <a16:creationId xmlns:a16="http://schemas.microsoft.com/office/drawing/2014/main" id="{064D8AD9-28AB-BA40-9E59-6D1079F085E2}"/>
+              </a:ext>
+            </a:extLst>
+          </p:cNvPr>
+          <p:cNvSpPr txBox="1"/>
+          <p:nvPr/>
+        </p:nvSpPr>
+        <p:spPr>
+          <a:xfrm>
+            <a:off x="921657" y="190005"/>
+            <a:ext cx="3739935" cy="584775"/>
+          </a:xfrm>
+          <a:prstGeom prst="rect">
+            <a:avLst/>
+          </a:prstGeom>
+          <a:noFill/>
+        </p:spPr>
+        <p:txBody>
+          <a:bodyPr wrap="none" rtlCol="0">
+            <a:spAutoFit/>
+          </a:bodyPr>
+          <a:lstStyle/>
+          <a:p>
+            <a:r>
+              <a:rPr kumimoji="1" lang="en-US" altLang="ja-JP" sz="3200" dirty="0" err="1"/>
+              <a:t>secure_getenv</a:t>
+            </a:r>
+            <a:r>
+              <a:rPr kumimoji="1" lang="ja-JP" altLang="en-US" sz="3200"/>
+              <a:t>の定義</a:t>
+            </a:r>
+          </a:p>
+        </p:txBody>
+      </p:sp>
+      <p:sp>
+        <p:nvSpPr>
+          <p:cNvPr id="7" name="テキスト ボックス 6">
+            <a:extLst>
+              <a:ext uri="{FF2B5EF4-FFF2-40B4-BE49-F238E27FC236}">
+                <a16:creationId xmlns:a16="http://schemas.microsoft.com/office/drawing/2014/main" id="{5DA39176-6859-3640-8D68-DB1C19A7AD6D}"/>
+              </a:ext>
+            </a:extLst>
+          </p:cNvPr>
+          <p:cNvSpPr txBox="1"/>
+          <p:nvPr/>
+        </p:nvSpPr>
+        <p:spPr>
+          <a:xfrm>
+            <a:off x="795647" y="6377049"/>
+            <a:ext cx="6761146" cy="369332"/>
+          </a:xfrm>
+          <a:prstGeom prst="rect">
+            <a:avLst/>
+          </a:prstGeom>
+          <a:noFill/>
+        </p:spPr>
+        <p:txBody>
+          <a:bodyPr wrap="none" rtlCol="0">
+            <a:spAutoFit/>
+          </a:bodyPr>
+          <a:lstStyle/>
+          <a:p>
+            <a:r>
+              <a:rPr kumimoji="1" lang="en-US" altLang="ja-JP" dirty="0"/>
+              <a:t>※</a:t>
+            </a:r>
+            <a:r>
+              <a:rPr kumimoji="1" lang="ja-JP" altLang="en-US"/>
+              <a:t>参考サイト</a:t>
+            </a:r>
+            <a:r>
+              <a:rPr kumimoji="1" lang="en-US" altLang="ja-JP" dirty="0"/>
+              <a:t>:http://man7.org/</a:t>
+            </a:r>
+            <a:r>
+              <a:rPr kumimoji="1" lang="en-US" altLang="ja-JP" dirty="0" err="1"/>
+              <a:t>linux</a:t>
+            </a:r>
+            <a:r>
+              <a:rPr kumimoji="1" lang="en-US" altLang="ja-JP" dirty="0"/>
+              <a:t>/man-pages/man3/getenv.3.html</a:t>
+            </a:r>
+            <a:endParaRPr kumimoji="1" lang="ja-JP" altLang="en-US"/>
+          </a:p>
+        </p:txBody>
+      </p:sp>
+    </p:spTree>
+    <p:extLst>
+      <p:ext uri="{BB962C8B-B14F-4D97-AF65-F5344CB8AC3E}">
+        <p14:creationId xmlns:p14="http://schemas.microsoft.com/office/powerpoint/2010/main" val="3321537582"/>
+      </p:ext>
+    </p:extLst>
+  </p:cSld>
+  <p:clrMapOvr>
+    <a:masterClrMapping/>
+  </p:clrMapOvr>
+</p:sld>
+</file>
+
+<file path=ppt/slides/slide15.xml><?xml version="1.0" encoding="utf-8"?>
+<p:sld xmlns:a="http://schemas.openxmlformats.org/drawingml/2006/main" xmlns:r="http://schemas.openxmlformats.org/officeDocument/2006/relationships" xmlns:p="http://schemas.openxmlformats.org/presentationml/2006/main">
+  <p:cSld>
+    <p:spTree>
+      <p:nvGrpSpPr>
+        <p:cNvPr id="1" name=""/>
+        <p:cNvGrpSpPr/>
+        <p:nvPr/>
+      </p:nvGrpSpPr>
+      <p:grpSpPr>
+        <a:xfrm>
+          <a:off x="0" y="0"/>
+          <a:ext cx="0" cy="0"/>
+          <a:chOff x="0" y="0"/>
+          <a:chExt cx="0" cy="0"/>
+        </a:xfrm>
+      </p:grpSpPr>
+      <p:sp>
+        <p:nvSpPr>
+          <p:cNvPr id="14" name="テキスト ボックス 13">
+            <a:extLst>
+              <a:ext uri="{FF2B5EF4-FFF2-40B4-BE49-F238E27FC236}">
+                <a16:creationId xmlns:a16="http://schemas.microsoft.com/office/drawing/2014/main" id="{BC05074A-30BC-3245-B1BE-07B49A20FD17}"/>
+              </a:ext>
+            </a:extLst>
+          </p:cNvPr>
+          <p:cNvSpPr txBox="1"/>
+          <p:nvPr/>
+        </p:nvSpPr>
+        <p:spPr>
+          <a:xfrm>
+            <a:off x="1009403" y="581891"/>
+            <a:ext cx="1852495" cy="369332"/>
+          </a:xfrm>
+          <a:prstGeom prst="rect">
+            <a:avLst/>
+          </a:prstGeom>
+          <a:noFill/>
+        </p:spPr>
+        <p:txBody>
+          <a:bodyPr wrap="none" rtlCol="0">
+            <a:spAutoFit/>
+          </a:bodyPr>
+          <a:lstStyle/>
+          <a:p>
+            <a:r>
+              <a:rPr kumimoji="1" lang="en-US" altLang="ja-JP" dirty="0" err="1"/>
+              <a:t>getenv_example.c</a:t>
+            </a:r>
+            <a:endParaRPr kumimoji="1" lang="ja-JP" altLang="en-US"/>
+          </a:p>
+        </p:txBody>
+      </p:sp>
+      <p:sp>
+        <p:nvSpPr>
+          <p:cNvPr id="15" name="テキスト ボックス 14">
+            <a:extLst>
+              <a:ext uri="{FF2B5EF4-FFF2-40B4-BE49-F238E27FC236}">
+                <a16:creationId xmlns:a16="http://schemas.microsoft.com/office/drawing/2014/main" id="{4F75AAE5-28F7-864A-B744-2E37A228B386}"/>
+              </a:ext>
+            </a:extLst>
+          </p:cNvPr>
+          <p:cNvSpPr txBox="1"/>
+          <p:nvPr/>
+        </p:nvSpPr>
+        <p:spPr>
+          <a:xfrm>
+            <a:off x="6968837" y="581891"/>
+            <a:ext cx="2044855" cy="369332"/>
+          </a:xfrm>
+          <a:prstGeom prst="rect">
+            <a:avLst/>
+          </a:prstGeom>
+          <a:noFill/>
+        </p:spPr>
+        <p:txBody>
+          <a:bodyPr wrap="none" rtlCol="0">
+            <a:spAutoFit/>
+          </a:bodyPr>
+          <a:lstStyle/>
+          <a:p>
+            <a:r>
+              <a:rPr kumimoji="1" lang="en-US" altLang="ja-JP" dirty="0" err="1"/>
+              <a:t>getenv_s_example.c</a:t>
+            </a:r>
+            <a:endParaRPr kumimoji="1" lang="ja-JP" altLang="en-US"/>
+          </a:p>
+        </p:txBody>
+      </p:sp>
+      <p:sp>
+        <p:nvSpPr>
+          <p:cNvPr id="17" name="テキスト ボックス 16">
+            <a:extLst>
+              <a:ext uri="{FF2B5EF4-FFF2-40B4-BE49-F238E27FC236}">
+                <a16:creationId xmlns:a16="http://schemas.microsoft.com/office/drawing/2014/main" id="{75F9E2AE-84E2-2E4E-B204-9F03A1A0E39A}"/>
+              </a:ext>
+            </a:extLst>
+          </p:cNvPr>
+          <p:cNvSpPr txBox="1"/>
+          <p:nvPr/>
+        </p:nvSpPr>
+        <p:spPr>
+          <a:xfrm>
+            <a:off x="641267" y="5166963"/>
+            <a:ext cx="8919814" cy="1200329"/>
+          </a:xfrm>
+          <a:prstGeom prst="rect">
+            <a:avLst/>
+          </a:prstGeom>
+          <a:noFill/>
+        </p:spPr>
+        <p:txBody>
+          <a:bodyPr wrap="none" rtlCol="0">
+            <a:spAutoFit/>
+          </a:bodyPr>
+          <a:lstStyle/>
+          <a:p>
+            <a:r>
+              <a:rPr kumimoji="1" lang="ja-JP" altLang="en-US"/>
+              <a:t>プログラム仕組み</a:t>
+            </a:r>
+            <a:endParaRPr kumimoji="1" lang="en-US" altLang="ja-JP" dirty="0"/>
+          </a:p>
+          <a:p>
+            <a:endParaRPr kumimoji="1" lang="en-US" altLang="ja-JP" dirty="0"/>
+          </a:p>
+          <a:p>
+            <a:r>
+              <a:rPr kumimoji="1" lang="ja-JP" altLang="en-US"/>
+              <a:t>コマンドラインから環境変数を受け取って、</a:t>
+            </a:r>
+            <a:r>
+              <a:rPr kumimoji="1" lang="en-US" altLang="ja-JP" dirty="0" err="1"/>
+              <a:t>getenv</a:t>
+            </a:r>
+            <a:r>
+              <a:rPr kumimoji="1" lang="ja-JP" altLang="en-US"/>
+              <a:t>と</a:t>
+            </a:r>
+            <a:r>
+              <a:rPr kumimoji="1" lang="en-US" altLang="ja-JP" dirty="0" err="1"/>
+              <a:t>getenv_s</a:t>
+            </a:r>
+            <a:r>
+              <a:rPr kumimoji="1" lang="ja-JP" altLang="en-US"/>
+              <a:t>で値を取得し、表示する。また、</a:t>
+            </a:r>
+            <a:endParaRPr kumimoji="1" lang="en-US" altLang="ja-JP" dirty="0"/>
+          </a:p>
+          <a:p>
+            <a:r>
+              <a:rPr kumimoji="1" lang="ja-JP" altLang="en-US"/>
+              <a:t>取得できたアドレスの値を変更して、環境変数の値も変更したかを検証する</a:t>
+            </a:r>
+          </a:p>
+        </p:txBody>
+      </p:sp>
+      <p:pic>
+        <p:nvPicPr>
+          <p:cNvPr id="21" name="図 20">
+            <a:extLst>
+              <a:ext uri="{FF2B5EF4-FFF2-40B4-BE49-F238E27FC236}">
+                <a16:creationId xmlns:a16="http://schemas.microsoft.com/office/drawing/2014/main" id="{60F71D9C-7810-AA41-A609-6143358CDDAF}"/>
+              </a:ext>
+            </a:extLst>
+          </p:cNvPr>
+          <p:cNvPicPr>
+            <a:picLocks noChangeAspect="1"/>
+          </p:cNvPicPr>
+          <p:nvPr/>
+        </p:nvPicPr>
+        <p:blipFill>
+          <a:blip r:embed="rId2"/>
+          <a:stretch>
+            <a:fillRect/>
+          </a:stretch>
+        </p:blipFill>
+        <p:spPr>
+          <a:xfrm>
+            <a:off x="512232" y="951223"/>
+            <a:ext cx="5057455" cy="3846408"/>
+          </a:xfrm>
+          <a:prstGeom prst="rect">
+            <a:avLst/>
+          </a:prstGeom>
+        </p:spPr>
+      </p:pic>
+      <p:pic>
+        <p:nvPicPr>
+          <p:cNvPr id="23" name="図 22">
+            <a:extLst>
+              <a:ext uri="{FF2B5EF4-FFF2-40B4-BE49-F238E27FC236}">
+                <a16:creationId xmlns:a16="http://schemas.microsoft.com/office/drawing/2014/main" id="{B0E824DE-752E-0B4D-8C9C-D5F611851A35}"/>
+              </a:ext>
+            </a:extLst>
+          </p:cNvPr>
+          <p:cNvPicPr>
+            <a:picLocks noChangeAspect="1"/>
+          </p:cNvPicPr>
+          <p:nvPr/>
+        </p:nvPicPr>
+        <p:blipFill>
+          <a:blip r:embed="rId3"/>
+          <a:stretch>
+            <a:fillRect/>
+          </a:stretch>
+        </p:blipFill>
+        <p:spPr>
+          <a:xfrm>
+            <a:off x="6286170" y="922352"/>
+            <a:ext cx="5076537" cy="4094971"/>
+          </a:xfrm>
+          <a:prstGeom prst="rect">
+            <a:avLst/>
+          </a:prstGeom>
+        </p:spPr>
+      </p:pic>
+    </p:spTree>
+    <p:extLst>
+      <p:ext uri="{BB962C8B-B14F-4D97-AF65-F5344CB8AC3E}">
+        <p14:creationId xmlns:p14="http://schemas.microsoft.com/office/powerpoint/2010/main" val="4177847667"/>
+      </p:ext>
+    </p:extLst>
+  </p:cSld>
+  <p:clrMapOvr>
+    <a:masterClrMapping/>
+  </p:clrMapOvr>
+</p:sld>
+</file>
+
+<file path=ppt/slides/slide16.xml><?xml version="1.0" encoding="utf-8"?>
+<p:sld xmlns:a="http://schemas.openxmlformats.org/drawingml/2006/main" xmlns:r="http://schemas.openxmlformats.org/officeDocument/2006/relationships" xmlns:p="http://schemas.openxmlformats.org/presentationml/2006/main">
+  <p:cSld>
+    <p:spTree>
+      <p:nvGrpSpPr>
+        <p:cNvPr id="1" name=""/>
+        <p:cNvGrpSpPr/>
+        <p:nvPr/>
+      </p:nvGrpSpPr>
+      <p:grpSpPr>
+        <a:xfrm>
+          <a:off x="0" y="0"/>
+          <a:ext cx="0" cy="0"/>
+          <a:chOff x="0" y="0"/>
+          <a:chExt cx="0" cy="0"/>
+        </a:xfrm>
+      </p:grpSpPr>
+      <p:sp>
+        <p:nvSpPr>
+          <p:cNvPr id="2" name="タイトル 1">
+            <a:extLst>
+              <a:ext uri="{FF2B5EF4-FFF2-40B4-BE49-F238E27FC236}">
+                <a16:creationId xmlns:a16="http://schemas.microsoft.com/office/drawing/2014/main" id="{3168FDBA-431D-FB42-8AF8-8D32A6610757}"/>
+              </a:ext>
+            </a:extLst>
+          </p:cNvPr>
+          <p:cNvSpPr>
+            <a:spLocks noGrp="1"/>
+          </p:cNvSpPr>
+          <p:nvPr>
+            <p:ph type="title"/>
+          </p:nvPr>
+        </p:nvSpPr>
+        <p:spPr/>
+        <p:txBody>
+          <a:bodyPr/>
+          <a:lstStyle/>
+          <a:p>
+            <a:r>
+              <a:rPr kumimoji="1" lang="ja-JP" altLang="en-US"/>
+              <a:t>実行手順</a:t>
+            </a:r>
+          </a:p>
+        </p:txBody>
+      </p:sp>
+      <p:sp>
+        <p:nvSpPr>
+          <p:cNvPr id="3" name="コンテンツ プレースホルダー 2">
+            <a:extLst>
+              <a:ext uri="{FF2B5EF4-FFF2-40B4-BE49-F238E27FC236}">
+                <a16:creationId xmlns:a16="http://schemas.microsoft.com/office/drawing/2014/main" id="{47F2B456-BE4C-8842-98DE-C4FEBFF37CFF}"/>
+              </a:ext>
+            </a:extLst>
+          </p:cNvPr>
+          <p:cNvSpPr>
+            <a:spLocks noGrp="1"/>
+          </p:cNvSpPr>
+          <p:nvPr>
+            <p:ph idx="1"/>
+          </p:nvPr>
+        </p:nvSpPr>
+        <p:spPr/>
+        <p:txBody>
+          <a:bodyPr>
+            <a:normAutofit/>
+          </a:bodyPr>
+          <a:lstStyle/>
+          <a:p>
+            <a:pPr marL="0" indent="0">
+              <a:buNone/>
+            </a:pPr>
+            <a:r>
+              <a:rPr lang="en-US" altLang="ja-JP" dirty="0"/>
+              <a:t>$ </a:t>
+            </a:r>
+            <a:r>
+              <a:rPr lang="en-US" altLang="ja-JP" dirty="0" err="1"/>
+              <a:t>gcc</a:t>
+            </a:r>
+            <a:r>
+              <a:rPr lang="en-US" altLang="ja-JP" dirty="0"/>
+              <a:t> -</a:t>
+            </a:r>
+            <a:r>
+              <a:rPr lang="en-US" altLang="ja-JP" dirty="0" err="1"/>
+              <a:t>std</a:t>
+            </a:r>
+            <a:r>
+              <a:rPr lang="en-US" altLang="ja-JP" dirty="0"/>
+              <a:t>=c99 -o </a:t>
+            </a:r>
+            <a:r>
+              <a:rPr lang="en-US" altLang="ja-JP" dirty="0" err="1"/>
+              <a:t>getenv_example</a:t>
+            </a:r>
+            <a:r>
+              <a:rPr lang="en-US" altLang="ja-JP" dirty="0"/>
+              <a:t> </a:t>
+            </a:r>
+            <a:r>
+              <a:rPr lang="en-US" altLang="ja-JP" dirty="0" err="1"/>
+              <a:t>getenv_example.c</a:t>
+            </a:r>
+            <a:endParaRPr lang="en-US" altLang="ja-JP" dirty="0"/>
+          </a:p>
+          <a:p>
+            <a:pPr marL="0" indent="0">
+              <a:buNone/>
+            </a:pPr>
+            <a:r>
+              <a:rPr lang="en-US" altLang="ja-JP" dirty="0"/>
+              <a:t>$ </a:t>
+            </a:r>
+            <a:r>
+              <a:rPr lang="en-US" altLang="ja-JP" dirty="0" err="1"/>
+              <a:t>sudo</a:t>
+            </a:r>
+            <a:r>
+              <a:rPr lang="en-US" altLang="ja-JP" dirty="0"/>
+              <a:t> </a:t>
+            </a:r>
+            <a:r>
+              <a:rPr lang="en-US" altLang="ja-JP" dirty="0" err="1"/>
+              <a:t>chown</a:t>
+            </a:r>
+            <a:r>
+              <a:rPr lang="en-US" altLang="ja-JP" dirty="0"/>
+              <a:t> </a:t>
+            </a:r>
+            <a:r>
+              <a:rPr lang="en-US" altLang="ja-JP" dirty="0" err="1"/>
+              <a:t>nobody:nobody</a:t>
+            </a:r>
+            <a:r>
+              <a:rPr lang="en-US" altLang="ja-JP" dirty="0"/>
+              <a:t> </a:t>
+            </a:r>
+            <a:r>
+              <a:rPr lang="en-US" altLang="ja-JP" dirty="0" err="1"/>
+              <a:t>getenv_example</a:t>
+            </a:r>
+            <a:endParaRPr lang="en-US" altLang="ja-JP" dirty="0"/>
+          </a:p>
+          <a:p>
+            <a:pPr marL="0" indent="0">
+              <a:buNone/>
+            </a:pPr>
+            <a:r>
+              <a:rPr lang="en-US" altLang="ja-JP" dirty="0"/>
+              <a:t>$ </a:t>
+            </a:r>
+            <a:r>
+              <a:rPr lang="en-US" altLang="ja-JP" dirty="0" err="1"/>
+              <a:t>sudo</a:t>
+            </a:r>
+            <a:r>
+              <a:rPr lang="en-US" altLang="ja-JP" dirty="0"/>
+              <a:t> </a:t>
+            </a:r>
+            <a:r>
+              <a:rPr lang="en-US" altLang="ja-JP" dirty="0" err="1"/>
+              <a:t>chmod</a:t>
+            </a:r>
+            <a:r>
+              <a:rPr lang="en-US" altLang="ja-JP" dirty="0"/>
+              <a:t> </a:t>
+            </a:r>
+            <a:r>
+              <a:rPr lang="en-US" altLang="ja-JP" dirty="0" err="1"/>
+              <a:t>ug+s</a:t>
+            </a:r>
+            <a:r>
+              <a:rPr lang="en-US" altLang="ja-JP" dirty="0"/>
+              <a:t> </a:t>
+            </a:r>
+            <a:r>
+              <a:rPr lang="en-US" altLang="ja-JP" dirty="0" err="1"/>
+              <a:t>getenv_example</a:t>
+            </a:r>
+            <a:endParaRPr lang="en-US" altLang="ja-JP" dirty="0"/>
+          </a:p>
+          <a:p>
+            <a:pPr marL="0" indent="0">
+              <a:buNone/>
+            </a:pPr>
+            <a:r>
+              <a:rPr lang="en-US" altLang="ja-JP" dirty="0"/>
+              <a:t>$ export test=</a:t>
+            </a:r>
+            <a:r>
+              <a:rPr lang="en-US" altLang="ja-JP" dirty="0" err="1"/>
+              <a:t>abcde</a:t>
+            </a:r>
+            <a:endParaRPr lang="en-US" altLang="ja-JP" dirty="0"/>
+          </a:p>
+          <a:p>
+            <a:pPr marL="0" indent="0">
+              <a:buNone/>
+            </a:pPr>
+            <a:r>
+              <a:rPr lang="en-US" altLang="ja-JP" dirty="0"/>
+              <a:t>$ ./</a:t>
+            </a:r>
+            <a:r>
+              <a:rPr lang="en-US" altLang="ja-JP" dirty="0" err="1"/>
+              <a:t>getenv_example</a:t>
+            </a:r>
+            <a:r>
+              <a:rPr lang="en-US" altLang="ja-JP" dirty="0"/>
+              <a:t> test</a:t>
+            </a:r>
+          </a:p>
+          <a:p>
+            <a:pPr marL="0" indent="0">
+              <a:buNone/>
+            </a:pPr>
+            <a:r>
+              <a:rPr lang="en-US" altLang="ja-JP" dirty="0"/>
+              <a:t>$ </a:t>
+            </a:r>
+            <a:r>
+              <a:rPr lang="en-US" altLang="ja-JP" dirty="0" err="1"/>
+              <a:t>sudo</a:t>
+            </a:r>
+            <a:r>
+              <a:rPr lang="en-US" altLang="ja-JP" dirty="0"/>
+              <a:t> ./</a:t>
+            </a:r>
+            <a:r>
+              <a:rPr lang="en-US" altLang="ja-JP" dirty="0" err="1"/>
+              <a:t>getenv_example</a:t>
+            </a:r>
+            <a:r>
+              <a:rPr lang="en-US" altLang="ja-JP" dirty="0"/>
+              <a:t> USER</a:t>
+            </a:r>
+          </a:p>
+          <a:p>
+            <a:pPr marL="0" indent="0">
+              <a:buNone/>
+            </a:pPr>
+            <a:endParaRPr lang="en-US" altLang="ja-JP" dirty="0"/>
+          </a:p>
+          <a:p>
+            <a:endParaRPr kumimoji="1" lang="ja-JP" altLang="en-US"/>
+          </a:p>
+        </p:txBody>
+      </p:sp>
+    </p:spTree>
+    <p:extLst>
+      <p:ext uri="{BB962C8B-B14F-4D97-AF65-F5344CB8AC3E}">
+        <p14:creationId xmlns:p14="http://schemas.microsoft.com/office/powerpoint/2010/main" val="3396042209"/>
+      </p:ext>
+    </p:extLst>
+  </p:cSld>
+  <p:clrMapOvr>
+    <a:masterClrMapping/>
+  </p:clrMapOvr>
+</p:sld>
+</file>
+
+<file path=ppt/slides/slide17.xml><?xml version="1.0" encoding="utf-8"?>
+<p:sld xmlns:a="http://schemas.openxmlformats.org/drawingml/2006/main" xmlns:r="http://schemas.openxmlformats.org/officeDocument/2006/relationships" xmlns:p="http://schemas.openxmlformats.org/presentationml/2006/main">
+  <p:cSld>
+    <p:spTree>
+      <p:nvGrpSpPr>
+        <p:cNvPr id="1" name=""/>
+        <p:cNvGrpSpPr/>
+        <p:nvPr/>
+      </p:nvGrpSpPr>
+      <p:grpSpPr>
+        <a:xfrm>
+          <a:off x="0" y="0"/>
+          <a:ext cx="0" cy="0"/>
+          <a:chOff x="0" y="0"/>
+          <a:chExt cx="0" cy="0"/>
+        </a:xfrm>
+      </p:grpSpPr>
+      <p:sp>
+        <p:nvSpPr>
+          <p:cNvPr id="2" name="タイトル 1">
+            <a:extLst>
+              <a:ext uri="{FF2B5EF4-FFF2-40B4-BE49-F238E27FC236}">
+                <a16:creationId xmlns:a16="http://schemas.microsoft.com/office/drawing/2014/main" id="{87C7F1BA-1B0A-AE4B-ACDF-615FEB55B4B7}"/>
+              </a:ext>
+            </a:extLst>
+          </p:cNvPr>
+          <p:cNvSpPr>
+            <a:spLocks noGrp="1"/>
+          </p:cNvSpPr>
+          <p:nvPr>
+            <p:ph type="title"/>
+          </p:nvPr>
+        </p:nvSpPr>
+        <p:spPr/>
+        <p:txBody>
+          <a:bodyPr/>
+          <a:lstStyle/>
+          <a:p>
+            <a:r>
+              <a:rPr lang="ja-JP" altLang="en-US"/>
+              <a:t>実行手順</a:t>
+            </a:r>
+            <a:endParaRPr kumimoji="1" lang="ja-JP" altLang="en-US"/>
+          </a:p>
+        </p:txBody>
+      </p:sp>
+      <p:sp>
+        <p:nvSpPr>
+          <p:cNvPr id="3" name="コンテンツ プレースホルダー 2">
+            <a:extLst>
+              <a:ext uri="{FF2B5EF4-FFF2-40B4-BE49-F238E27FC236}">
+                <a16:creationId xmlns:a16="http://schemas.microsoft.com/office/drawing/2014/main" id="{4C7E2EF1-3C47-414D-B8DF-A766E638B0E2}"/>
+              </a:ext>
+            </a:extLst>
+          </p:cNvPr>
+          <p:cNvSpPr>
+            <a:spLocks noGrp="1"/>
+          </p:cNvSpPr>
+          <p:nvPr>
+            <p:ph idx="1"/>
+          </p:nvPr>
+        </p:nvSpPr>
+        <p:spPr/>
+        <p:txBody>
+          <a:bodyPr>
+            <a:normAutofit fontScale="92500" lnSpcReduction="10000"/>
+          </a:bodyPr>
+          <a:lstStyle/>
+          <a:p>
+            <a:pPr marL="0" indent="0">
+              <a:buNone/>
+            </a:pPr>
+            <a:r>
+              <a:rPr kumimoji="1" lang="en-US" altLang="ja-JP" dirty="0"/>
+              <a:t>$ </a:t>
+            </a:r>
+            <a:r>
+              <a:rPr lang="en-US" altLang="ja-JP" dirty="0" err="1"/>
+              <a:t>gcc</a:t>
+            </a:r>
+            <a:r>
+              <a:rPr lang="en-US" altLang="ja-JP" dirty="0"/>
+              <a:t> -</a:t>
+            </a:r>
+            <a:r>
+              <a:rPr lang="en-US" altLang="ja-JP" dirty="0" err="1"/>
+              <a:t>std</a:t>
+            </a:r>
+            <a:r>
+              <a:rPr lang="en-US" altLang="ja-JP" dirty="0"/>
+              <a:t>=c11 -c </a:t>
+            </a:r>
+            <a:r>
+              <a:rPr lang="en-US" altLang="ja-JP" dirty="0" err="1"/>
+              <a:t>getenv_s_example.c</a:t>
+            </a:r>
+            <a:endParaRPr lang="en-US" altLang="ja-JP" dirty="0"/>
+          </a:p>
+          <a:p>
+            <a:pPr marL="0" indent="0">
+              <a:buNone/>
+            </a:pPr>
+            <a:r>
+              <a:rPr kumimoji="1" lang="en-US" altLang="ja-JP" dirty="0"/>
+              <a:t>$ </a:t>
+            </a:r>
+            <a:r>
+              <a:rPr lang="en-US" altLang="ja-JP" dirty="0" err="1"/>
+              <a:t>gcc</a:t>
+            </a:r>
+            <a:r>
+              <a:rPr lang="en-US" altLang="ja-JP" dirty="0"/>
+              <a:t> -o </a:t>
+            </a:r>
+            <a:r>
+              <a:rPr lang="en-US" altLang="ja-JP" dirty="0" err="1"/>
+              <a:t>getenv_s_example</a:t>
+            </a:r>
+            <a:r>
+              <a:rPr lang="en-US" altLang="ja-JP" dirty="0"/>
+              <a:t> </a:t>
+            </a:r>
+            <a:r>
+              <a:rPr lang="en-US" altLang="ja-JP" dirty="0" err="1"/>
+              <a:t>getenv_s_example.o</a:t>
+            </a:r>
+            <a:r>
+              <a:rPr lang="en-US" altLang="ja-JP" dirty="0"/>
+              <a:t> /</a:t>
+            </a:r>
+            <a:r>
+              <a:rPr lang="en-US" altLang="ja-JP" dirty="0" err="1"/>
+              <a:t>usr</a:t>
+            </a:r>
+            <a:r>
+              <a:rPr lang="en-US" altLang="ja-JP" dirty="0"/>
+              <a:t>/local/lib/libsafec-3.3.a</a:t>
+            </a:r>
+          </a:p>
+          <a:p>
+            <a:pPr marL="0" indent="0">
+              <a:buNone/>
+            </a:pPr>
+            <a:r>
+              <a:rPr lang="en-US" altLang="ja-JP" dirty="0"/>
+              <a:t>$ </a:t>
+            </a:r>
+            <a:r>
+              <a:rPr lang="en-US" altLang="ja-JP" dirty="0" err="1"/>
+              <a:t>cp</a:t>
+            </a:r>
+            <a:r>
+              <a:rPr lang="en-US" altLang="ja-JP" dirty="0"/>
+              <a:t> </a:t>
+            </a:r>
+            <a:r>
+              <a:rPr lang="en-US" altLang="ja-JP" dirty="0" err="1"/>
+              <a:t>getenv_s_example</a:t>
+            </a:r>
+            <a:r>
+              <a:rPr lang="en-US" altLang="ja-JP" dirty="0"/>
+              <a:t> getenv_s_example2</a:t>
+            </a:r>
+          </a:p>
+          <a:p>
+            <a:pPr marL="0" indent="0">
+              <a:buNone/>
+            </a:pPr>
+            <a:r>
+              <a:rPr kumimoji="1" lang="en-US" altLang="ja-JP" dirty="0"/>
+              <a:t>$ </a:t>
+            </a:r>
+            <a:r>
+              <a:rPr lang="en-US" altLang="ja-JP" dirty="0" err="1"/>
+              <a:t>sudo</a:t>
+            </a:r>
+            <a:r>
+              <a:rPr lang="en-US" altLang="ja-JP" dirty="0"/>
+              <a:t> </a:t>
+            </a:r>
+            <a:r>
+              <a:rPr lang="en-US" altLang="ja-JP" dirty="0" err="1"/>
+              <a:t>chown</a:t>
+            </a:r>
+            <a:r>
+              <a:rPr lang="en-US" altLang="ja-JP" dirty="0"/>
+              <a:t> </a:t>
+            </a:r>
+            <a:r>
+              <a:rPr lang="en-US" altLang="ja-JP" dirty="0" err="1"/>
+              <a:t>nobody:nobody</a:t>
+            </a:r>
+            <a:r>
+              <a:rPr lang="en-US" altLang="ja-JP" dirty="0"/>
+              <a:t> </a:t>
+            </a:r>
+            <a:r>
+              <a:rPr lang="en-US" altLang="ja-JP" dirty="0" err="1"/>
+              <a:t>getenv_s_example</a:t>
+            </a:r>
+            <a:endParaRPr lang="en-US" altLang="ja-JP" dirty="0"/>
+          </a:p>
+          <a:p>
+            <a:pPr marL="0" indent="0">
+              <a:buNone/>
+            </a:pPr>
+            <a:r>
+              <a:rPr kumimoji="1" lang="en-US" altLang="ja-JP" dirty="0"/>
+              <a:t>$ </a:t>
+            </a:r>
+            <a:r>
+              <a:rPr lang="en-US" altLang="ja-JP" dirty="0" err="1"/>
+              <a:t>sudo</a:t>
+            </a:r>
+            <a:r>
+              <a:rPr lang="en-US" altLang="ja-JP" dirty="0"/>
+              <a:t> </a:t>
+            </a:r>
+            <a:r>
+              <a:rPr lang="en-US" altLang="ja-JP" dirty="0" err="1"/>
+              <a:t>chmod</a:t>
+            </a:r>
+            <a:r>
+              <a:rPr lang="en-US" altLang="ja-JP" dirty="0"/>
+              <a:t> </a:t>
+            </a:r>
+            <a:r>
+              <a:rPr lang="en-US" altLang="ja-JP" dirty="0" err="1"/>
+              <a:t>ug+s</a:t>
+            </a:r>
+            <a:r>
+              <a:rPr lang="en-US" altLang="ja-JP" dirty="0"/>
+              <a:t> </a:t>
+            </a:r>
+            <a:r>
+              <a:rPr lang="en-US" altLang="ja-JP" dirty="0" err="1"/>
+              <a:t>getenv_s_example</a:t>
+            </a:r>
+            <a:endParaRPr lang="en-US" altLang="ja-JP" dirty="0"/>
+          </a:p>
+          <a:p>
+            <a:pPr marL="0" indent="0">
+              <a:buNone/>
+            </a:pPr>
+            <a:r>
+              <a:rPr kumimoji="1" lang="en-US" altLang="ja-JP" dirty="0"/>
+              <a:t>$ </a:t>
+            </a:r>
+            <a:r>
+              <a:rPr lang="en-US" altLang="ja-JP" dirty="0"/>
+              <a:t>./</a:t>
+            </a:r>
+            <a:r>
+              <a:rPr lang="en-US" altLang="ja-JP" dirty="0" err="1"/>
+              <a:t>getenv_s_example</a:t>
+            </a:r>
+            <a:r>
+              <a:rPr lang="en-US" altLang="ja-JP" dirty="0"/>
+              <a:t> test</a:t>
+            </a:r>
+          </a:p>
+          <a:p>
+            <a:pPr marL="0" indent="0">
+              <a:buNone/>
+            </a:pPr>
+            <a:r>
+              <a:rPr kumimoji="1" lang="en-US" altLang="ja-JP" dirty="0"/>
+              <a:t>$ </a:t>
+            </a:r>
+            <a:r>
+              <a:rPr kumimoji="1" lang="en-US" altLang="ja-JP" dirty="0" err="1"/>
+              <a:t>sudo</a:t>
+            </a:r>
+            <a:r>
+              <a:rPr kumimoji="1" lang="en-US" altLang="ja-JP" dirty="0"/>
+              <a:t> </a:t>
+            </a:r>
+            <a:r>
+              <a:rPr lang="en-US" altLang="ja-JP" dirty="0"/>
+              <a:t>./</a:t>
+            </a:r>
+            <a:r>
+              <a:rPr lang="en-US" altLang="ja-JP" dirty="0" err="1"/>
+              <a:t>getenv_s_example</a:t>
+            </a:r>
+            <a:r>
+              <a:rPr lang="en-US" altLang="ja-JP" dirty="0"/>
+              <a:t> USER</a:t>
+            </a:r>
+          </a:p>
+          <a:p>
+            <a:pPr marL="0" indent="0">
+              <a:buNone/>
+            </a:pPr>
+            <a:endParaRPr kumimoji="1" lang="ja-JP" altLang="en-US"/>
+          </a:p>
+        </p:txBody>
+      </p:sp>
+    </p:spTree>
+    <p:extLst>
+      <p:ext uri="{BB962C8B-B14F-4D97-AF65-F5344CB8AC3E}">
+        <p14:creationId xmlns:p14="http://schemas.microsoft.com/office/powerpoint/2010/main" val="837084880"/>
+      </p:ext>
+    </p:extLst>
+  </p:cSld>
+  <p:clrMapOvr>
+    <a:masterClrMapping/>
+  </p:clrMapOvr>
+</p:sld>
+</file>
+
+<file path=ppt/slides/slide18.xml><?xml version="1.0" encoding="utf-8"?>
+<p:sld xmlns:a="http://schemas.openxmlformats.org/drawingml/2006/main" xmlns:r="http://schemas.openxmlformats.org/officeDocument/2006/relationships" xmlns:p="http://schemas.openxmlformats.org/presentationml/2006/main">
+  <p:cSld>
+    <p:spTree>
+      <p:nvGrpSpPr>
+        <p:cNvPr id="1" name=""/>
+        <p:cNvGrpSpPr/>
+        <p:nvPr/>
+      </p:nvGrpSpPr>
+      <p:grpSpPr>
+        <a:xfrm>
+          <a:off x="0" y="0"/>
+          <a:ext cx="0" cy="0"/>
+          <a:chOff x="0" y="0"/>
+          <a:chExt cx="0" cy="0"/>
+        </a:xfrm>
+      </p:grpSpPr>
+      <p:sp>
+        <p:nvSpPr>
+          <p:cNvPr id="3" name="コンテンツ プレースホルダー 2">
+            <a:extLst>
+              <a:ext uri="{FF2B5EF4-FFF2-40B4-BE49-F238E27FC236}">
+                <a16:creationId xmlns:a16="http://schemas.microsoft.com/office/drawing/2014/main" id="{002D3EEC-BFD6-5F44-AE82-C163C7698291}"/>
+              </a:ext>
+            </a:extLst>
+          </p:cNvPr>
+          <p:cNvSpPr>
+            <a:spLocks noGrp="1"/>
+          </p:cNvSpPr>
+          <p:nvPr>
+            <p:ph idx="1"/>
+          </p:nvPr>
+        </p:nvSpPr>
+        <p:spPr/>
+        <p:txBody>
+          <a:bodyPr>
+            <a:normAutofit/>
+          </a:bodyPr>
+          <a:lstStyle/>
+          <a:p>
+            <a:pPr marL="0" indent="0" algn="ctr">
+              <a:buNone/>
+            </a:pPr>
+            <a:r>
+              <a:rPr kumimoji="1" lang="ja-JP" altLang="en-US" sz="4800"/>
+              <a:t>実機演習</a:t>
+            </a:r>
+          </a:p>
+        </p:txBody>
+      </p:sp>
+    </p:spTree>
+    <p:extLst>
+      <p:ext uri="{BB962C8B-B14F-4D97-AF65-F5344CB8AC3E}">
+        <p14:creationId xmlns:p14="http://schemas.microsoft.com/office/powerpoint/2010/main" val="3336243866"/>
+      </p:ext>
+    </p:extLst>
+  </p:cSld>
+  <p:clrMapOvr>
+    <a:masterClrMapping/>
+  </p:clrMapOvr>
+</p:sld>
+</file>
+
+<file path=ppt/slides/slide19.xml><?xml version="1.0" encoding="utf-8"?>
+<p:sld xmlns:a="http://schemas.openxmlformats.org/drawingml/2006/main" xmlns:r="http://schemas.openxmlformats.org/officeDocument/2006/relationships" xmlns:p="http://schemas.openxmlformats.org/presentationml/2006/main">
+  <p:cSld>
+    <p:spTree>
+      <p:nvGrpSpPr>
+        <p:cNvPr id="1" name=""/>
+        <p:cNvGrpSpPr/>
+        <p:nvPr/>
+      </p:nvGrpSpPr>
+      <p:grpSpPr>
+        <a:xfrm>
+          <a:off x="0" y="0"/>
+          <a:ext cx="0" cy="0"/>
+          <a:chOff x="0" y="0"/>
+          <a:chExt cx="0" cy="0"/>
+        </a:xfrm>
+      </p:grpSpPr>
+      <p:sp>
+        <p:nvSpPr>
+          <p:cNvPr id="3" name="コンテンツ プレースホルダー 2">
+            <a:extLst>
+              <a:ext uri="{FF2B5EF4-FFF2-40B4-BE49-F238E27FC236}">
+                <a16:creationId xmlns:a16="http://schemas.microsoft.com/office/drawing/2014/main" id="{AF7B8E1B-FE7B-AB4D-BD56-A7EBFB68155F}"/>
+              </a:ext>
+            </a:extLst>
+          </p:cNvPr>
+          <p:cNvSpPr>
+            <a:spLocks noGrp="1"/>
+          </p:cNvSpPr>
+          <p:nvPr>
+            <p:ph idx="1"/>
+          </p:nvPr>
+        </p:nvSpPr>
+        <p:spPr>
+          <a:xfrm>
+            <a:off x="1141412" y="237506"/>
+            <a:ext cx="11050588" cy="5791201"/>
+          </a:xfrm>
+        </p:spPr>
+        <p:txBody>
+          <a:bodyPr>
+            <a:normAutofit/>
+          </a:bodyPr>
+          <a:lstStyle/>
+          <a:p>
+            <a:pPr marL="0" indent="0">
+              <a:buNone/>
+            </a:pPr>
+            <a:r>
+              <a:rPr lang="ja-JP" altLang="en-US" sz="3600"/>
+              <a:t>実行結果</a:t>
+            </a:r>
+            <a:endParaRPr lang="en-US" altLang="ja-JP" sz="3600" dirty="0"/>
+          </a:p>
+          <a:p>
+            <a:pPr marL="0" indent="0">
+              <a:buNone/>
+            </a:pPr>
+            <a:r>
+              <a:rPr lang="en-US" altLang="ja-JP" dirty="0" err="1"/>
+              <a:t>g</a:t>
+            </a:r>
+            <a:r>
+              <a:rPr kumimoji="1" lang="en-US" altLang="ja-JP" dirty="0" err="1"/>
+              <a:t>etenv</a:t>
+            </a:r>
+            <a:r>
+              <a:rPr kumimoji="1" lang="en-US" altLang="ja-JP" dirty="0"/>
+              <a:t>                                                                         </a:t>
+            </a:r>
+            <a:r>
+              <a:rPr kumimoji="1" lang="en-US" altLang="ja-JP" dirty="0" err="1"/>
+              <a:t>getenv_s</a:t>
+            </a:r>
+            <a:endParaRPr kumimoji="1" lang="en-US" altLang="ja-JP" dirty="0"/>
+          </a:p>
+          <a:p>
+            <a:pPr marL="0" indent="0">
+              <a:buNone/>
+            </a:pPr>
+            <a:endParaRPr kumimoji="1" lang="ja-JP" altLang="en-US" sz="3600"/>
+          </a:p>
+        </p:txBody>
+      </p:sp>
+      <p:pic>
+        <p:nvPicPr>
+          <p:cNvPr id="11" name="図 10">
+            <a:extLst>
+              <a:ext uri="{FF2B5EF4-FFF2-40B4-BE49-F238E27FC236}">
+                <a16:creationId xmlns:a16="http://schemas.microsoft.com/office/drawing/2014/main" id="{28961082-6AAE-964D-8879-03BE05C3060C}"/>
+              </a:ext>
+            </a:extLst>
+          </p:cNvPr>
+          <p:cNvPicPr>
+            <a:picLocks noChangeAspect="1"/>
+          </p:cNvPicPr>
+          <p:nvPr/>
+        </p:nvPicPr>
+        <p:blipFill>
+          <a:blip r:embed="rId2"/>
+          <a:stretch>
+            <a:fillRect/>
+          </a:stretch>
+        </p:blipFill>
+        <p:spPr>
+          <a:xfrm>
+            <a:off x="1141412" y="2075131"/>
+            <a:ext cx="4813300" cy="1282700"/>
+          </a:xfrm>
+          <a:prstGeom prst="rect">
+            <a:avLst/>
+          </a:prstGeom>
+        </p:spPr>
+      </p:pic>
+      <p:pic>
+        <p:nvPicPr>
+          <p:cNvPr id="17" name="図 16">
+            <a:extLst>
+              <a:ext uri="{FF2B5EF4-FFF2-40B4-BE49-F238E27FC236}">
+                <a16:creationId xmlns:a16="http://schemas.microsoft.com/office/drawing/2014/main" id="{CC577247-C882-3B49-9C8D-3A89143C4F65}"/>
+              </a:ext>
+            </a:extLst>
+          </p:cNvPr>
+          <p:cNvPicPr>
+            <a:picLocks noChangeAspect="1"/>
+          </p:cNvPicPr>
+          <p:nvPr/>
+        </p:nvPicPr>
+        <p:blipFill>
+          <a:blip r:embed="rId3"/>
+          <a:stretch>
+            <a:fillRect/>
+          </a:stretch>
+        </p:blipFill>
+        <p:spPr>
+          <a:xfrm>
+            <a:off x="7184984" y="1757631"/>
+            <a:ext cx="3949700" cy="1600200"/>
+          </a:xfrm>
+          <a:prstGeom prst="rect">
+            <a:avLst/>
+          </a:prstGeom>
+        </p:spPr>
+      </p:pic>
+      <p:sp>
+        <p:nvSpPr>
+          <p:cNvPr id="18" name="テキスト ボックス 17">
+            <a:extLst>
+              <a:ext uri="{FF2B5EF4-FFF2-40B4-BE49-F238E27FC236}">
+                <a16:creationId xmlns:a16="http://schemas.microsoft.com/office/drawing/2014/main" id="{335E21D0-0847-324B-A788-66F1E36C3DB0}"/>
+              </a:ext>
+            </a:extLst>
+          </p:cNvPr>
+          <p:cNvSpPr txBox="1"/>
+          <p:nvPr/>
+        </p:nvSpPr>
+        <p:spPr>
+          <a:xfrm>
+            <a:off x="1141412" y="3823855"/>
+            <a:ext cx="5378395" cy="2862322"/>
+          </a:xfrm>
+          <a:prstGeom prst="rect">
+            <a:avLst/>
+          </a:prstGeom>
+          <a:noFill/>
+        </p:spPr>
+        <p:txBody>
+          <a:bodyPr wrap="none" rtlCol="0">
+            <a:spAutoFit/>
+          </a:bodyPr>
+          <a:lstStyle/>
+          <a:p>
+            <a:pPr marL="342900" indent="-342900">
+              <a:buFont typeface="+mj-lt"/>
+              <a:buAutoNum type="arabicPeriod"/>
+            </a:pPr>
+            <a:r>
+              <a:rPr kumimoji="1" lang="ja-JP" altLang="en-US"/>
+              <a:t>実行ファイルの</a:t>
+            </a:r>
+            <a:r>
+              <a:rPr kumimoji="1" lang="en-US" altLang="ja-JP" dirty="0"/>
+              <a:t>SUID</a:t>
+            </a:r>
+            <a:r>
+              <a:rPr kumimoji="1" lang="ja-JP" altLang="en-US"/>
+              <a:t>が設定されている場合、</a:t>
+            </a:r>
+            <a:endParaRPr kumimoji="1" lang="en-US" altLang="ja-JP" dirty="0"/>
+          </a:p>
+          <a:p>
+            <a:r>
+              <a:rPr kumimoji="1" lang="ja-JP" altLang="en-US"/>
+              <a:t>プロセスの実行ユーザーが実行ファイルの</a:t>
+            </a:r>
+            <a:endParaRPr kumimoji="1" lang="en-US" altLang="ja-JP" dirty="0"/>
+          </a:p>
+          <a:p>
+            <a:r>
+              <a:rPr kumimoji="1" lang="ja-JP" altLang="en-US"/>
+              <a:t>オーナーと異なる場合、実行ユーザーの</a:t>
+            </a:r>
+            <a:endParaRPr kumimoji="1" lang="en-US" altLang="ja-JP" dirty="0"/>
+          </a:p>
+          <a:p>
+            <a:r>
+              <a:rPr kumimoji="1" lang="ja-JP" altLang="en-US"/>
+              <a:t>環境変数が取得してしまう</a:t>
+            </a:r>
+            <a:endParaRPr kumimoji="1" lang="en-US" altLang="ja-JP" dirty="0"/>
+          </a:p>
+          <a:p>
+            <a:endParaRPr kumimoji="1" lang="en-US" altLang="ja-JP" dirty="0"/>
+          </a:p>
+          <a:p>
+            <a:r>
+              <a:rPr kumimoji="1" lang="ja-JP" altLang="en-US"/>
+              <a:t>２．取得された環境変数のアドレスの値を変更すると、</a:t>
+            </a:r>
+            <a:endParaRPr kumimoji="1" lang="en-US" altLang="ja-JP" dirty="0"/>
+          </a:p>
+          <a:p>
+            <a:r>
+              <a:rPr kumimoji="1" lang="ja-JP" altLang="en-US"/>
+              <a:t>環境変数が変更されてしまう</a:t>
+            </a:r>
+            <a:endParaRPr kumimoji="1" lang="en-US" altLang="ja-JP" dirty="0"/>
+          </a:p>
+          <a:p>
+            <a:endParaRPr kumimoji="1" lang="en-US" altLang="ja-JP" dirty="0"/>
+          </a:p>
+          <a:p>
+            <a:endParaRPr kumimoji="1" lang="en-US" altLang="ja-JP" dirty="0"/>
+          </a:p>
+          <a:p>
+            <a:endParaRPr kumimoji="1" lang="ja-JP" altLang="en-US"/>
+          </a:p>
+        </p:txBody>
+      </p:sp>
+      <p:sp>
+        <p:nvSpPr>
+          <p:cNvPr id="19" name="テキスト ボックス 18">
+            <a:extLst>
+              <a:ext uri="{FF2B5EF4-FFF2-40B4-BE49-F238E27FC236}">
+                <a16:creationId xmlns:a16="http://schemas.microsoft.com/office/drawing/2014/main" id="{1C302F83-AEAF-F142-9EDB-BB77720808DE}"/>
+              </a:ext>
+            </a:extLst>
+          </p:cNvPr>
+          <p:cNvSpPr txBox="1"/>
+          <p:nvPr/>
+        </p:nvSpPr>
+        <p:spPr>
+          <a:xfrm>
+            <a:off x="6946466" y="3619996"/>
+            <a:ext cx="5378395" cy="2862322"/>
+          </a:xfrm>
+          <a:prstGeom prst="rect">
+            <a:avLst/>
+          </a:prstGeom>
+          <a:noFill/>
+        </p:spPr>
+        <p:txBody>
+          <a:bodyPr wrap="none" rtlCol="0">
+            <a:spAutoFit/>
+          </a:bodyPr>
+          <a:lstStyle/>
+          <a:p>
+            <a:pPr marL="342900" indent="-342900">
+              <a:buFont typeface="+mj-lt"/>
+              <a:buAutoNum type="arabicPeriod"/>
+            </a:pPr>
+            <a:r>
+              <a:rPr kumimoji="1" lang="ja-JP" altLang="en-US"/>
+              <a:t>実行ファイルの</a:t>
+            </a:r>
+            <a:r>
+              <a:rPr kumimoji="1" lang="en-US" altLang="ja-JP" dirty="0"/>
+              <a:t>SUID</a:t>
+            </a:r>
+            <a:r>
+              <a:rPr kumimoji="1" lang="ja-JP" altLang="en-US"/>
+              <a:t>が設定されている場合、</a:t>
+            </a:r>
+            <a:endParaRPr kumimoji="1" lang="en-US" altLang="ja-JP" dirty="0"/>
+          </a:p>
+          <a:p>
+            <a:r>
+              <a:rPr kumimoji="1" lang="ja-JP" altLang="en-US"/>
+              <a:t>プロセスの実行ユーザーが実行ファイルの</a:t>
+            </a:r>
+            <a:endParaRPr kumimoji="1" lang="en-US" altLang="ja-JP" dirty="0"/>
+          </a:p>
+          <a:p>
+            <a:r>
+              <a:rPr kumimoji="1" lang="ja-JP" altLang="en-US"/>
+              <a:t>オーナーと異なる場合、実行ユーザーの</a:t>
+            </a:r>
+            <a:endParaRPr kumimoji="1" lang="en-US" altLang="ja-JP" dirty="0"/>
+          </a:p>
+          <a:p>
+            <a:r>
+              <a:rPr kumimoji="1" lang="ja-JP" altLang="en-US"/>
+              <a:t>環境変数が</a:t>
+            </a:r>
+            <a:r>
+              <a:rPr kumimoji="1" lang="ja-JP" altLang="en-US">
+                <a:solidFill>
+                  <a:srgbClr val="FF0000"/>
+                </a:solidFill>
+              </a:rPr>
+              <a:t>取得できない</a:t>
+            </a:r>
+            <a:endParaRPr kumimoji="1" lang="en-US" altLang="ja-JP" dirty="0">
+              <a:solidFill>
+                <a:srgbClr val="FF0000"/>
+              </a:solidFill>
+            </a:endParaRPr>
+          </a:p>
+          <a:p>
+            <a:endParaRPr kumimoji="1" lang="en-US" altLang="ja-JP" dirty="0"/>
+          </a:p>
+          <a:p>
+            <a:r>
+              <a:rPr kumimoji="1" lang="ja-JP" altLang="en-US"/>
+              <a:t>２．取得された環境変数のアドレスの値を変更すると、</a:t>
+            </a:r>
+            <a:endParaRPr kumimoji="1" lang="en-US" altLang="ja-JP" dirty="0"/>
+          </a:p>
+          <a:p>
+            <a:r>
+              <a:rPr kumimoji="1" lang="ja-JP" altLang="en-US"/>
+              <a:t>環境変数が</a:t>
+            </a:r>
+            <a:r>
+              <a:rPr kumimoji="1" lang="ja-JP" altLang="en-US">
+                <a:solidFill>
+                  <a:srgbClr val="FF0000"/>
+                </a:solidFill>
+              </a:rPr>
+              <a:t>変更されない</a:t>
+            </a:r>
+            <a:endParaRPr kumimoji="1" lang="en-US" altLang="ja-JP" dirty="0">
+              <a:solidFill>
+                <a:srgbClr val="FF0000"/>
+              </a:solidFill>
+            </a:endParaRPr>
+          </a:p>
+          <a:p>
+            <a:endParaRPr kumimoji="1" lang="en-US" altLang="ja-JP" dirty="0"/>
+          </a:p>
+          <a:p>
+            <a:endParaRPr kumimoji="1" lang="en-US" altLang="ja-JP" dirty="0"/>
+          </a:p>
+          <a:p>
+            <a:endParaRPr kumimoji="1" lang="ja-JP" altLang="en-US"/>
+          </a:p>
+        </p:txBody>
+      </p:sp>
+    </p:spTree>
+    <p:extLst>
+      <p:ext uri="{BB962C8B-B14F-4D97-AF65-F5344CB8AC3E}">
+        <p14:creationId xmlns:p14="http://schemas.microsoft.com/office/powerpoint/2010/main" val="239356961"/>
       </p:ext>
     </p:extLst>
   </p:cSld>
@@ -13393,18 +15752,14 @@
           <a:lstStyle/>
           <a:p>
             <a:r>
-              <a:rPr lang="ja-JP" altLang="en-US" dirty="0"/>
-              <a:t>１、</a:t>
+              <a:rPr kumimoji="1" lang="en-US" altLang="ja-JP" dirty="0"/>
+              <a:t>AGEN</a:t>
             </a:r>
             <a:r>
               <a:rPr lang="en-US" altLang="ja-JP" dirty="0"/>
-              <a:t>C11</a:t>
-            </a:r>
-            <a:r>
-              <a:rPr lang="ja-JP" altLang="en-US" dirty="0"/>
-              <a:t>セキュアライブラリの概要</a:t>
-            </a:r>
-            <a:endParaRPr kumimoji="1" lang="ja-JP" altLang="en-US" dirty="0"/>
+              <a:t>DA</a:t>
+            </a:r>
+            <a:endParaRPr kumimoji="1" lang="ja-JP" altLang="en-US"/>
           </a:p>
         </p:txBody>
       </p:sp>
@@ -13424,162 +15779,142 @@
             <p:ph idx="1"/>
           </p:nvPr>
         </p:nvSpPr>
-        <p:spPr>
-          <a:xfrm>
-            <a:off x="1141412" y="1757680"/>
-            <a:ext cx="9905999" cy="4481802"/>
-          </a:xfrm>
-        </p:spPr>
+        <p:spPr/>
         <p:txBody>
-          <a:bodyPr>
-            <a:normAutofit fontScale="92500" lnSpcReduction="20000"/>
-          </a:bodyPr>
+          <a:bodyPr/>
           <a:lstStyle/>
           <a:p>
+            <a:pPr marL="457200" indent="-457200">
+              <a:buFont typeface="+mj-lt"/>
+              <a:buAutoNum type="arabicPeriod"/>
+            </a:pPr>
             <a:r>
               <a:rPr lang="en-US" altLang="ja-JP" dirty="0"/>
               <a:t>C11</a:t>
             </a:r>
             <a:r>
               <a:rPr lang="ja-JP" altLang="en-US" dirty="0"/>
-              <a:t>の仕様は</a:t>
+              <a:t>セキュアライブラリの概要（</a:t>
             </a:r>
             <a:r>
               <a:rPr lang="en-US" altLang="ja-JP" dirty="0"/>
-              <a:t>2011</a:t>
+              <a:t>K</a:t>
             </a:r>
             <a:r>
               <a:rPr lang="ja-JP" altLang="en-US" dirty="0"/>
-              <a:t>年に規格化された。</a:t>
+              <a:t>）</a:t>
             </a:r>
             <a:endParaRPr lang="en-US" altLang="ja-JP" dirty="0"/>
           </a:p>
           <a:p>
+            <a:pPr marL="457200" indent="-457200">
+              <a:buFont typeface="+mj-lt"/>
+              <a:buAutoNum type="arabicPeriod"/>
+            </a:pPr>
+            <a:r>
+              <a:rPr kumimoji="1" lang="ja-JP" altLang="en-US" dirty="0"/>
+              <a:t>利用するライブラリの紹介（</a:t>
+            </a:r>
+            <a:r>
+              <a:rPr lang="en-US" altLang="ja-JP" dirty="0"/>
+              <a:t>W</a:t>
+            </a:r>
+            <a:r>
+              <a:rPr kumimoji="1" lang="ja-JP" altLang="en-US" dirty="0"/>
+              <a:t>）</a:t>
+            </a:r>
+            <a:endParaRPr kumimoji="1" lang="en-US" altLang="ja-JP" dirty="0"/>
+          </a:p>
+          <a:p>
+            <a:pPr marL="457200" indent="-457200">
+              <a:buFont typeface="+mj-lt"/>
+              <a:buAutoNum type="arabicPeriod"/>
+            </a:pPr>
+            <a:r>
+              <a:rPr kumimoji="1" lang="ja-JP" altLang="en-US" dirty="0"/>
+              <a:t>環境構築（</a:t>
+            </a:r>
+            <a:r>
+              <a:rPr kumimoji="1" lang="en-US" altLang="ja-JP" dirty="0"/>
+              <a:t>F</a:t>
+            </a:r>
+            <a:r>
+              <a:rPr kumimoji="1" lang="ja-JP" altLang="en-US" dirty="0"/>
+              <a:t>）</a:t>
+            </a:r>
+            <a:endParaRPr kumimoji="1" lang="en-US" altLang="ja-JP" dirty="0"/>
+          </a:p>
+          <a:p>
+            <a:pPr marL="457200" indent="-457200">
+              <a:buFont typeface="+mj-lt"/>
+              <a:buAutoNum type="arabicPeriod"/>
+            </a:pPr>
+            <a:r>
+              <a:rPr kumimoji="1" lang="ja-JP" altLang="en-US" dirty="0"/>
+              <a:t>ソースコードコンパイルと実行方法（</a:t>
+            </a:r>
+            <a:r>
+              <a:rPr lang="en-US" altLang="ja-JP" dirty="0"/>
+              <a:t>F</a:t>
+            </a:r>
+            <a:r>
+              <a:rPr kumimoji="1" lang="ja-JP" altLang="en-US" dirty="0"/>
+              <a:t>）</a:t>
+            </a:r>
+            <a:endParaRPr kumimoji="1" lang="en-US" altLang="ja-JP" dirty="0"/>
+          </a:p>
+          <a:p>
+            <a:pPr marL="457200" indent="-457200">
+              <a:buFont typeface="+mj-lt"/>
+              <a:buAutoNum type="arabicPeriod"/>
+            </a:pPr>
+            <a:r>
+              <a:rPr lang="en-US" altLang="ja-JP" dirty="0"/>
+              <a:t>C99</a:t>
+            </a:r>
+            <a:r>
+              <a:rPr lang="ja-JP" altLang="en-US" dirty="0"/>
+              <a:t>と</a:t>
+            </a:r>
             <a:r>
               <a:rPr lang="en-US" altLang="ja-JP" dirty="0"/>
               <a:t>C11</a:t>
             </a:r>
             <a:r>
               <a:rPr lang="ja-JP" altLang="en-US" dirty="0"/>
-              <a:t>の特徴の</a:t>
+              <a:t>の結果の違いの分析（</a:t>
             </a:r>
             <a:r>
               <a:rPr lang="en-US" altLang="ja-JP" dirty="0"/>
-              <a:t>1</a:t>
+              <a:t>K</a:t>
+            </a:r>
+            <a:r>
+              <a:rPr lang="ja-JP" altLang="en-US" dirty="0" err="1"/>
+              <a:t>、</a:t>
+            </a:r>
+            <a:r>
+              <a:rPr lang="en-US" altLang="ja-JP" dirty="0"/>
+              <a:t>W</a:t>
+            </a:r>
+            <a:r>
+              <a:rPr lang="ja-JP" altLang="en-US" dirty="0" err="1"/>
+              <a:t>、</a:t>
+            </a:r>
+            <a:r>
+              <a:rPr lang="en-US" altLang="ja-JP" dirty="0"/>
+              <a:t>F</a:t>
             </a:r>
             <a:r>
               <a:rPr lang="ja-JP" altLang="en-US" dirty="0"/>
-              <a:t>つとして、</a:t>
-            </a:r>
-            <a:r>
-              <a:rPr lang="en-US" altLang="ja-JP" dirty="0"/>
-              <a:t>C99</a:t>
-            </a:r>
-            <a:r>
-              <a:rPr lang="ja-JP" altLang="en-US" dirty="0"/>
-              <a:t>では不十分だった脆弱（ぜいじゃく）性対応に力が注がれている点が挙げられる。</a:t>
-            </a:r>
-            <a:endParaRPr lang="en-US" altLang="ja-JP" dirty="0"/>
-          </a:p>
-          <a:p>
-            <a:r>
-              <a:rPr lang="en-US" altLang="ja-JP" dirty="0"/>
-              <a:t>C99</a:t>
-            </a:r>
-            <a:r>
-              <a:rPr lang="ja-JP" altLang="en-US" dirty="0"/>
-              <a:t>でも</a:t>
-            </a:r>
-            <a:r>
-              <a:rPr lang="en-US" altLang="ja-JP" dirty="0" err="1"/>
-              <a:t>snprintf</a:t>
-            </a:r>
-            <a:r>
-              <a:rPr lang="ja-JP" altLang="en-US" dirty="0"/>
-              <a:t>関数の導入など、バッファーオーバーランへの対策は入っていたが、</a:t>
-            </a:r>
-            <a:r>
-              <a:rPr lang="en-US" altLang="ja-JP" dirty="0"/>
-              <a:t>C11</a:t>
-            </a:r>
-            <a:r>
-              <a:rPr lang="ja-JP" altLang="en-US" dirty="0"/>
-              <a:t>では</a:t>
-            </a:r>
-            <a:r>
-              <a:rPr lang="en-US" altLang="ja-JP" dirty="0"/>
-              <a:t>gets</a:t>
-            </a:r>
-            <a:r>
-              <a:rPr lang="ja-JP" altLang="en-US" dirty="0"/>
-              <a:t>関数の削除や、</a:t>
-            </a:r>
-            <a:r>
-              <a:rPr lang="en-US" altLang="ja-JP" dirty="0" err="1"/>
-              <a:t>printf</a:t>
-            </a:r>
-            <a:r>
-              <a:rPr lang="ja-JP" altLang="en-US" dirty="0"/>
-              <a:t>関数における「</a:t>
-            </a:r>
-            <a:r>
-              <a:rPr lang="en-US" altLang="ja-JP" dirty="0"/>
-              <a:t>%n</a:t>
-            </a:r>
-            <a:r>
-              <a:rPr lang="ja-JP" altLang="en-US" dirty="0"/>
-              <a:t>」書式の廃止、</a:t>
-            </a:r>
-            <a:r>
-              <a:rPr lang="en-US" altLang="ja-JP" dirty="0" err="1"/>
-              <a:t>fopen</a:t>
-            </a:r>
-            <a:r>
-              <a:rPr lang="ja-JP" altLang="en-US" dirty="0"/>
-              <a:t>関数への排他モードの追加など、さまざまな脆弱性対応が導入されている。</a:t>
-            </a:r>
-            <a:endParaRPr lang="en-US" altLang="ja-JP" dirty="0"/>
-          </a:p>
-          <a:p>
-            <a:r>
-              <a:rPr lang="en-US" altLang="ja-JP" dirty="0"/>
-              <a:t>C11</a:t>
-            </a:r>
-            <a:r>
-              <a:rPr lang="ja-JP" altLang="en-US" dirty="0"/>
-              <a:t>はまだ規格化されて間もないため処理系によるサポートはこれから進んでいくだろうが、</a:t>
-            </a:r>
-            <a:r>
-              <a:rPr lang="en-US" altLang="ja-JP" dirty="0"/>
-              <a:t>C99</a:t>
-            </a:r>
-            <a:r>
-              <a:rPr lang="ja-JP" altLang="en-US" dirty="0"/>
-              <a:t>のときとは異なり言語仕様そのものへの変更よりは、ライブラリの変更が主なので、対応にそれほど時間は要さないものと思われる。</a:t>
-            </a:r>
-            <a:endParaRPr lang="en-US" altLang="ja-JP" dirty="0"/>
-          </a:p>
-          <a:p>
-            <a:r>
-              <a:rPr lang="ja-JP" altLang="en-US" dirty="0"/>
-              <a:t>なお、今回紹介する機能の多くは</a:t>
-            </a:r>
-            <a:r>
-              <a:rPr lang="en-US" altLang="ja-JP" dirty="0"/>
-              <a:t>C11</a:t>
-            </a:r>
-            <a:r>
-              <a:rPr lang="ja-JP" altLang="en-US" dirty="0"/>
-              <a:t>仕様の</a:t>
-            </a:r>
-            <a:r>
-              <a:rPr lang="en-US" altLang="ja-JP" dirty="0"/>
-              <a:t>Annex K</a:t>
-            </a:r>
-            <a:r>
-              <a:rPr lang="ja-JP" altLang="en-US" dirty="0"/>
-              <a:t>で定められているものであり、これらは実装がオプション扱いとなっているので、まだ実装が進んでいない。</a:t>
-            </a:r>
+              <a:t>）</a:t>
+            </a:r>
+            <a:endParaRPr kumimoji="1" lang="en-US" altLang="ja-JP" dirty="0"/>
+          </a:p>
+          <a:p>
+            <a:pPr marL="457200" indent="-457200">
+              <a:buFont typeface="+mj-lt"/>
+              <a:buAutoNum type="arabicPeriod"/>
+            </a:pPr>
             <a:endParaRPr kumimoji="1" lang="ja-JP" altLang="en-US" dirty="0"/>
           </a:p>
         </p:txBody>
@@ -13619,7 +15954,7 @@
           <p:cNvPr id="2" name="タイトル 1">
             <a:extLst>
               <a:ext uri="{FF2B5EF4-FFF2-40B4-BE49-F238E27FC236}">
-                <a16:creationId xmlns:a16="http://schemas.microsoft.com/office/drawing/2014/main" id="{0F30499E-DA25-484C-B65A-B4E19729EB91}"/>
+                <a16:creationId xmlns:a16="http://schemas.microsoft.com/office/drawing/2014/main" id="{A1E88825-7E74-8E4A-A42B-238AA2F35A44}"/>
               </a:ext>
             </a:extLst>
           </p:cNvPr>
@@ -13635,7 +15970,19 @@
           <a:bodyPr/>
           <a:lstStyle/>
           <a:p>
-            <a:endParaRPr kumimoji="1" lang="ja-JP" altLang="en-US"/>
+            <a:r>
+              <a:rPr lang="ja-JP" altLang="en-US" dirty="0"/>
+              <a:t>１、</a:t>
+            </a:r>
+            <a:r>
+              <a:rPr lang="en-US" altLang="ja-JP" dirty="0"/>
+              <a:t>C11</a:t>
+            </a:r>
+            <a:r>
+              <a:rPr lang="ja-JP" altLang="en-US" dirty="0"/>
+              <a:t>セキュアライブラリの概要</a:t>
+            </a:r>
+            <a:endParaRPr kumimoji="1" lang="ja-JP" altLang="en-US" dirty="0"/>
           </a:p>
         </p:txBody>
       </p:sp>
@@ -13644,7 +15991,7 @@
           <p:cNvPr id="3" name="コンテンツ プレースホルダー 2">
             <a:extLst>
               <a:ext uri="{FF2B5EF4-FFF2-40B4-BE49-F238E27FC236}">
-                <a16:creationId xmlns:a16="http://schemas.microsoft.com/office/drawing/2014/main" id="{E2D89BCD-0E74-400A-9C1A-3C107971DEB8}"/>
+                <a16:creationId xmlns:a16="http://schemas.microsoft.com/office/drawing/2014/main" id="{56D623ED-57DF-CE41-9635-0286DE784258}"/>
               </a:ext>
             </a:extLst>
           </p:cNvPr>
@@ -13655,19 +16002,170 @@
             <p:ph idx="1"/>
           </p:nvPr>
         </p:nvSpPr>
-        <p:spPr/>
+        <p:spPr>
+          <a:xfrm>
+            <a:off x="1141412" y="1757680"/>
+            <a:ext cx="9905999" cy="4481802"/>
+          </a:xfrm>
+        </p:spPr>
         <p:txBody>
-          <a:bodyPr/>
+          <a:bodyPr>
+            <a:normAutofit fontScale="92500" lnSpcReduction="20000"/>
+          </a:bodyPr>
           <a:lstStyle/>
           <a:p>
-            <a:endParaRPr kumimoji="1" lang="ja-JP" altLang="en-US"/>
+            <a:r>
+              <a:rPr lang="en-US" altLang="ja-JP" dirty="0"/>
+              <a:t>C11</a:t>
+            </a:r>
+            <a:r>
+              <a:rPr lang="ja-JP" altLang="en-US" dirty="0"/>
+              <a:t>の仕様は</a:t>
+            </a:r>
+            <a:r>
+              <a:rPr lang="en-US" altLang="ja-JP" dirty="0"/>
+              <a:t>2011</a:t>
+            </a:r>
+            <a:r>
+              <a:rPr lang="ja-JP" altLang="en-US" dirty="0"/>
+              <a:t>年に規格化された。</a:t>
+            </a:r>
+            <a:endParaRPr lang="en-US" altLang="ja-JP" dirty="0"/>
+          </a:p>
+          <a:p>
+            <a:r>
+              <a:rPr lang="en-US" altLang="ja-JP" dirty="0"/>
+              <a:t>C11</a:t>
+            </a:r>
+            <a:r>
+              <a:rPr lang="ja-JP" altLang="en-US" dirty="0"/>
+              <a:t>の特徴の</a:t>
+            </a:r>
+            <a:r>
+              <a:rPr lang="en-US" altLang="ja-JP" dirty="0"/>
+              <a:t>1</a:t>
+            </a:r>
+            <a:r>
+              <a:rPr lang="ja-JP" altLang="en-US" dirty="0"/>
+              <a:t>つとして、</a:t>
+            </a:r>
+            <a:r>
+              <a:rPr lang="en-US" altLang="ja-JP" dirty="0"/>
+              <a:t>C99</a:t>
+            </a:r>
+            <a:r>
+              <a:rPr lang="ja-JP" altLang="en-US" dirty="0"/>
+              <a:t>では不十分だった脆弱（ぜいじゃく）性対応に力が注がれている点が挙げられる。</a:t>
+            </a:r>
+            <a:endParaRPr lang="en-US" altLang="ja-JP" dirty="0"/>
+          </a:p>
+          <a:p>
+            <a:r>
+              <a:rPr lang="en-US" altLang="ja-JP" dirty="0"/>
+              <a:t>C99</a:t>
+            </a:r>
+            <a:r>
+              <a:rPr lang="ja-JP" altLang="en-US" dirty="0"/>
+              <a:t>でも</a:t>
+            </a:r>
+            <a:r>
+              <a:rPr lang="en-US" altLang="ja-JP" dirty="0" err="1"/>
+              <a:t>snprintf</a:t>
+            </a:r>
+            <a:r>
+              <a:rPr lang="ja-JP" altLang="en-US" dirty="0"/>
+              <a:t>関数の導入など、バッファーオーバーランへの対策は入っていたが、</a:t>
+            </a:r>
+            <a:r>
+              <a:rPr lang="en-US" altLang="ja-JP" dirty="0"/>
+              <a:t>C11</a:t>
+            </a:r>
+            <a:r>
+              <a:rPr lang="ja-JP" altLang="en-US" dirty="0"/>
+              <a:t>では</a:t>
+            </a:r>
+            <a:r>
+              <a:rPr lang="en-US" altLang="ja-JP" dirty="0"/>
+              <a:t>gets</a:t>
+            </a:r>
+            <a:r>
+              <a:rPr lang="ja-JP" altLang="en-US" dirty="0"/>
+              <a:t>関数の削除や、</a:t>
+            </a:r>
+            <a:r>
+              <a:rPr lang="en-US" altLang="ja-JP" dirty="0" err="1"/>
+              <a:t>printf</a:t>
+            </a:r>
+            <a:r>
+              <a:rPr lang="ja-JP" altLang="en-US" dirty="0"/>
+              <a:t>関数における「</a:t>
+            </a:r>
+            <a:r>
+              <a:rPr lang="en-US" altLang="ja-JP" dirty="0"/>
+              <a:t>%n</a:t>
+            </a:r>
+            <a:r>
+              <a:rPr lang="ja-JP" altLang="en-US" dirty="0"/>
+              <a:t>」書式の廃止、</a:t>
+            </a:r>
+            <a:r>
+              <a:rPr lang="en-US" altLang="ja-JP" dirty="0" err="1"/>
+              <a:t>fopen</a:t>
+            </a:r>
+            <a:r>
+              <a:rPr lang="ja-JP" altLang="en-US" dirty="0"/>
+              <a:t>関数への排他モードの追加など、さまざまな脆弱性対応が導入されている。</a:t>
+            </a:r>
+            <a:endParaRPr lang="en-US" altLang="ja-JP" dirty="0"/>
+          </a:p>
+          <a:p>
+            <a:r>
+              <a:rPr lang="en-US" altLang="ja-JP" dirty="0"/>
+              <a:t>C11</a:t>
+            </a:r>
+            <a:r>
+              <a:rPr lang="ja-JP" altLang="en-US" dirty="0"/>
+              <a:t>はまだ規格化されて間もないため処理系によるサポートはこれから進んでいくだろうが、</a:t>
+            </a:r>
+            <a:r>
+              <a:rPr lang="en-US" altLang="ja-JP" dirty="0"/>
+              <a:t>C99</a:t>
+            </a:r>
+            <a:r>
+              <a:rPr lang="ja-JP" altLang="en-US" dirty="0"/>
+              <a:t>のときとは異なり言語仕様そのものへの変更よりは、ライブラリの変更が主なので、対応にそれほど時間は要さないものと思われる。</a:t>
+            </a:r>
+            <a:endParaRPr lang="en-US" altLang="ja-JP" dirty="0"/>
+          </a:p>
+          <a:p>
+            <a:r>
+              <a:rPr lang="ja-JP" altLang="en-US" dirty="0"/>
+              <a:t>なお、今回紹介する機能の多くは</a:t>
+            </a:r>
+            <a:r>
+              <a:rPr lang="en-US" altLang="ja-JP" dirty="0"/>
+              <a:t>C11</a:t>
+            </a:r>
+            <a:r>
+              <a:rPr lang="ja-JP" altLang="en-US" dirty="0"/>
+              <a:t>仕様の</a:t>
+            </a:r>
+            <a:r>
+              <a:rPr lang="en-US" altLang="ja-JP" dirty="0"/>
+              <a:t>Annex K</a:t>
+            </a:r>
+            <a:r>
+              <a:rPr lang="ja-JP" altLang="en-US" dirty="0"/>
+              <a:t>で定められているものであり、これらは実装がオプション扱いとなっているので、まだ実装が進んでいない。</a:t>
+            </a:r>
+            <a:endParaRPr kumimoji="1" lang="ja-JP" altLang="en-US" dirty="0"/>
           </a:p>
         </p:txBody>
       </p:sp>
     </p:spTree>
     <p:extLst>
       <p:ext uri="{BB962C8B-B14F-4D97-AF65-F5344CB8AC3E}">
-        <p14:creationId xmlns:p14="http://schemas.microsoft.com/office/powerpoint/2010/main" val="220169511"/>
+        <p14:creationId xmlns:p14="http://schemas.microsoft.com/office/powerpoint/2010/main" val="780798716"/>
       </p:ext>
     </p:extLst>
   </p:cSld>
@@ -13806,6 +16304,94 @@
           <p:cNvPr id="2" name="タイトル 1">
             <a:extLst>
               <a:ext uri="{FF2B5EF4-FFF2-40B4-BE49-F238E27FC236}">
+                <a16:creationId xmlns:a16="http://schemas.microsoft.com/office/drawing/2014/main" id="{737B959B-8E05-954D-9A64-621083CE4F5C}"/>
+              </a:ext>
+            </a:extLst>
+          </p:cNvPr>
+          <p:cNvSpPr>
+            <a:spLocks noGrp="1"/>
+          </p:cNvSpPr>
+          <p:nvPr>
+            <p:ph type="title"/>
+          </p:nvPr>
+        </p:nvSpPr>
+        <p:spPr/>
+        <p:txBody>
+          <a:bodyPr/>
+          <a:lstStyle/>
+          <a:p>
+            <a:endParaRPr kumimoji="1" lang="ja-JP" altLang="en-US"/>
+          </a:p>
+        </p:txBody>
+      </p:sp>
+      <p:sp>
+        <p:nvSpPr>
+          <p:cNvPr id="3" name="コンテンツ プレースホルダー 2">
+            <a:extLst>
+              <a:ext uri="{FF2B5EF4-FFF2-40B4-BE49-F238E27FC236}">
+                <a16:creationId xmlns:a16="http://schemas.microsoft.com/office/drawing/2014/main" id="{8032E017-1A13-1B4E-9881-C78CCE82E06D}"/>
+              </a:ext>
+            </a:extLst>
+          </p:cNvPr>
+          <p:cNvSpPr>
+            <a:spLocks noGrp="1"/>
+          </p:cNvSpPr>
+          <p:nvPr>
+            <p:ph idx="1"/>
+          </p:nvPr>
+        </p:nvSpPr>
+        <p:spPr/>
+        <p:txBody>
+          <a:bodyPr>
+            <a:normAutofit/>
+          </a:bodyPr>
+          <a:lstStyle/>
+          <a:p>
+            <a:pPr marL="0" indent="0" algn="ctr">
+              <a:buNone/>
+            </a:pPr>
+            <a:r>
+              <a:rPr kumimoji="1" lang="ja-JP" altLang="en-US" sz="4400"/>
+              <a:t>環境構築</a:t>
+            </a:r>
+          </a:p>
+        </p:txBody>
+      </p:sp>
+    </p:spTree>
+    <p:extLst>
+      <p:ext uri="{BB962C8B-B14F-4D97-AF65-F5344CB8AC3E}">
+        <p14:creationId xmlns:p14="http://schemas.microsoft.com/office/powerpoint/2010/main" val="1850139409"/>
+      </p:ext>
+    </p:extLst>
+  </p:cSld>
+  <p:clrMapOvr>
+    <a:masterClrMapping/>
+  </p:clrMapOvr>
+</p:sld>
+</file>
+
+<file path=ppt/slides/slide6.xml><?xml version="1.0" encoding="utf-8"?>
+<p:sld xmlns:a="http://schemas.openxmlformats.org/drawingml/2006/main" xmlns:r="http://schemas.openxmlformats.org/officeDocument/2006/relationships" xmlns:p="http://schemas.openxmlformats.org/presentationml/2006/main">
+  <p:cSld>
+    <p:spTree>
+      <p:nvGrpSpPr>
+        <p:cNvPr id="1" name=""/>
+        <p:cNvGrpSpPr/>
+        <p:nvPr/>
+      </p:nvGrpSpPr>
+      <p:grpSpPr>
+        <a:xfrm>
+          <a:off x="0" y="0"/>
+          <a:ext cx="0" cy="0"/>
+          <a:chOff x="0" y="0"/>
+          <a:chExt cx="0" cy="0"/>
+        </a:xfrm>
+      </p:grpSpPr>
+      <p:sp>
+        <p:nvSpPr>
+          <p:cNvPr id="2" name="タイトル 1">
+            <a:extLst>
+              <a:ext uri="{FF2B5EF4-FFF2-40B4-BE49-F238E27FC236}">
                 <a16:creationId xmlns:a16="http://schemas.microsoft.com/office/drawing/2014/main" id="{53DA343D-FF89-1F45-944D-ECD5C584269A}"/>
               </a:ext>
             </a:extLst>
@@ -13823,8 +16409,12 @@
           <a:lstStyle/>
           <a:p>
             <a:r>
+              <a:rPr lang="en-US" altLang="ja-JP" dirty="0"/>
+              <a:t>3 </a:t>
+            </a:r>
+            <a:r>
               <a:rPr kumimoji="1" lang="ja-JP" altLang="en-US"/>
-              <a:t>３．環境構築</a:t>
+              <a:t>環境構築</a:t>
             </a:r>
           </a:p>
         </p:txBody>
@@ -13845,11 +16435,179 @@
             <p:ph idx="1"/>
           </p:nvPr>
         </p:nvSpPr>
-        <p:spPr/>
+        <p:spPr>
+          <a:xfrm>
+            <a:off x="1141412" y="1876301"/>
+            <a:ext cx="9905999" cy="4572000"/>
+          </a:xfrm>
+        </p:spPr>
         <p:txBody>
-          <a:bodyPr/>
+          <a:bodyPr>
+            <a:normAutofit fontScale="92500" lnSpcReduction="10000"/>
+          </a:bodyPr>
           <a:lstStyle/>
           <a:p>
+            <a:r>
+              <a:rPr lang="ja-JP" altLang="en-US"/>
+              <a:t>準備</a:t>
+            </a:r>
+          </a:p>
+          <a:p>
+            <a:pPr marL="457200" indent="-457200">
+              <a:buFont typeface="+mj-lt"/>
+              <a:buAutoNum type="arabicPeriod"/>
+            </a:pPr>
+            <a:r>
+              <a:rPr lang="en-US" altLang="ja-JP" dirty="0" err="1"/>
+              <a:t>sudo</a:t>
+            </a:r>
+            <a:r>
+              <a:rPr lang="en-US" altLang="ja-JP" dirty="0"/>
+              <a:t> yum install </a:t>
+            </a:r>
+            <a:r>
+              <a:rPr lang="en-US" altLang="ja-JP" dirty="0" err="1"/>
+              <a:t>gcc</a:t>
+            </a:r>
+            <a:r>
+              <a:rPr lang="en-US" altLang="ja-JP" dirty="0"/>
+              <a:t> </a:t>
+            </a:r>
+            <a:r>
+              <a:rPr lang="en-US" altLang="ja-JP" dirty="0" err="1"/>
+              <a:t>gcc-devel</a:t>
+            </a:r>
+            <a:r>
+              <a:rPr lang="en-US" altLang="ja-JP" dirty="0"/>
+              <a:t> git </a:t>
+            </a:r>
+            <a:r>
+              <a:rPr lang="en-US" altLang="ja-JP" dirty="0" err="1"/>
+              <a:t>autoconf</a:t>
+            </a:r>
+            <a:r>
+              <a:rPr lang="en-US" altLang="ja-JP" dirty="0"/>
+              <a:t> </a:t>
+            </a:r>
+            <a:r>
+              <a:rPr lang="en-US" altLang="ja-JP" dirty="0" err="1"/>
+              <a:t>automake</a:t>
+            </a:r>
+            <a:r>
+              <a:rPr lang="en-US" altLang="ja-JP" dirty="0"/>
+              <a:t> </a:t>
+            </a:r>
+            <a:r>
+              <a:rPr lang="en-US" altLang="ja-JP" dirty="0" err="1"/>
+              <a:t>libtool</a:t>
+            </a:r>
+            <a:endParaRPr lang="en-US" altLang="ja-JP" dirty="0"/>
+          </a:p>
+          <a:p>
+            <a:r>
+              <a:rPr lang="en-US" altLang="ja-JP" dirty="0" err="1"/>
+              <a:t>safclib</a:t>
+            </a:r>
+            <a:r>
+              <a:rPr lang="ja-JP" altLang="en-US"/>
+              <a:t>インストール</a:t>
+            </a:r>
+            <a:endParaRPr lang="en-US" altLang="ja-JP" dirty="0"/>
+          </a:p>
+          <a:p>
+            <a:pPr marL="457200" indent="-457200">
+              <a:buFont typeface="+mj-lt"/>
+              <a:buAutoNum type="arabicPeriod"/>
+            </a:pPr>
+            <a:r>
+              <a:rPr lang="en-US" altLang="ja-JP" dirty="0"/>
+              <a:t>git clone https://</a:t>
+            </a:r>
+            <a:r>
+              <a:rPr lang="en-US" altLang="ja-JP" dirty="0" err="1"/>
+              <a:t>github.com</a:t>
+            </a:r>
+            <a:r>
+              <a:rPr lang="en-US" altLang="ja-JP" dirty="0"/>
+              <a:t>/</a:t>
+            </a:r>
+            <a:r>
+              <a:rPr lang="en-US" altLang="ja-JP" dirty="0" err="1"/>
+              <a:t>rurban</a:t>
+            </a:r>
+            <a:r>
+              <a:rPr lang="en-US" altLang="ja-JP" dirty="0"/>
+              <a:t>/</a:t>
+            </a:r>
+            <a:r>
+              <a:rPr lang="en-US" altLang="ja-JP" dirty="0" err="1"/>
+              <a:t>safeclib.git</a:t>
+            </a:r>
+            <a:endParaRPr lang="en-US" altLang="ja-JP" dirty="0"/>
+          </a:p>
+          <a:p>
+            <a:pPr marL="457200" indent="-457200">
+              <a:buFont typeface="+mj-lt"/>
+              <a:buAutoNum type="arabicPeriod"/>
+            </a:pPr>
+            <a:r>
+              <a:rPr lang="en-US" altLang="ja-JP" dirty="0"/>
+              <a:t>cd </a:t>
+            </a:r>
+            <a:r>
+              <a:rPr lang="en-US" altLang="ja-JP" dirty="0" err="1"/>
+              <a:t>safeclib</a:t>
+            </a:r>
+            <a:endParaRPr lang="en-US" altLang="ja-JP" dirty="0"/>
+          </a:p>
+          <a:p>
+            <a:pPr marL="457200" indent="-457200">
+              <a:buFont typeface="+mj-lt"/>
+              <a:buAutoNum type="arabicPeriod"/>
+            </a:pPr>
+            <a:r>
+              <a:rPr lang="en-US" altLang="ja-JP" dirty="0"/>
+              <a:t>./build-tools/</a:t>
+            </a:r>
+            <a:r>
+              <a:rPr lang="en-US" altLang="ja-JP" dirty="0" err="1"/>
+              <a:t>autogen.sh</a:t>
+            </a:r>
+            <a:endParaRPr lang="en-US" altLang="ja-JP" dirty="0"/>
+          </a:p>
+          <a:p>
+            <a:pPr marL="457200" indent="-457200">
+              <a:buFont typeface="+mj-lt"/>
+              <a:buAutoNum type="arabicPeriod"/>
+            </a:pPr>
+            <a:r>
+              <a:rPr lang="en-US" altLang="ja-JP" dirty="0"/>
+              <a:t> ./configure</a:t>
+            </a:r>
+          </a:p>
+          <a:p>
+            <a:pPr marL="457200" indent="-457200">
+              <a:buFont typeface="+mj-lt"/>
+              <a:buAutoNum type="arabicPeriod"/>
+            </a:pPr>
+            <a:r>
+              <a:rPr lang="en-US" altLang="ja-JP" dirty="0"/>
+              <a:t> make</a:t>
+            </a:r>
+          </a:p>
+          <a:p>
+            <a:pPr marL="457200" indent="-457200">
+              <a:buFont typeface="+mj-lt"/>
+              <a:buAutoNum type="arabicPeriod"/>
+            </a:pPr>
+            <a:r>
+              <a:rPr lang="en-US" altLang="ja-JP" dirty="0" err="1"/>
+              <a:t>sudo</a:t>
+            </a:r>
+            <a:r>
+              <a:rPr lang="en-US" altLang="ja-JP" dirty="0"/>
+              <a:t> make install</a:t>
+            </a:r>
             <a:endParaRPr kumimoji="1" lang="ja-JP" altLang="en-US"/>
           </a:p>
         </p:txBody>
@@ -13867,7 +16625,248 @@
 </p:sld>
 </file>
 
-<file path=ppt/slides/slide6.xml><?xml version="1.0" encoding="utf-8"?>
+<file path=ppt/slides/slide7.xml><?xml version="1.0" encoding="utf-8"?>
+<p:sld xmlns:a="http://schemas.openxmlformats.org/drawingml/2006/main" xmlns:r="http://schemas.openxmlformats.org/officeDocument/2006/relationships" xmlns:p="http://schemas.openxmlformats.org/presentationml/2006/main">
+  <p:cSld>
+    <p:spTree>
+      <p:nvGrpSpPr>
+        <p:cNvPr id="1" name=""/>
+        <p:cNvGrpSpPr/>
+        <p:nvPr/>
+      </p:nvGrpSpPr>
+      <p:grpSpPr>
+        <a:xfrm>
+          <a:off x="0" y="0"/>
+          <a:ext cx="0" cy="0"/>
+          <a:chOff x="0" y="0"/>
+          <a:chExt cx="0" cy="0"/>
+        </a:xfrm>
+      </p:grpSpPr>
+      <p:sp>
+        <p:nvSpPr>
+          <p:cNvPr id="2" name="タイトル 1">
+            <a:extLst>
+              <a:ext uri="{FF2B5EF4-FFF2-40B4-BE49-F238E27FC236}">
+                <a16:creationId xmlns:a16="http://schemas.microsoft.com/office/drawing/2014/main" id="{25F02373-E1B3-684E-A9C0-A2288B320F12}"/>
+              </a:ext>
+            </a:extLst>
+          </p:cNvPr>
+          <p:cNvSpPr>
+            <a:spLocks noGrp="1"/>
+          </p:cNvSpPr>
+          <p:nvPr>
+            <p:ph type="title"/>
+          </p:nvPr>
+        </p:nvSpPr>
+        <p:spPr/>
+        <p:txBody>
+          <a:bodyPr/>
+          <a:lstStyle/>
+          <a:p>
+            <a:r>
+              <a:rPr lang="en-US" altLang="ja-JP" dirty="0"/>
+              <a:t>4</a:t>
+            </a:r>
+            <a:r>
+              <a:rPr kumimoji="1" lang="en-US" altLang="ja-JP" dirty="0"/>
+              <a:t> </a:t>
+            </a:r>
+            <a:r>
+              <a:rPr kumimoji="1" lang="ja-JP" altLang="en-US"/>
+              <a:t>ソースコードの</a:t>
+            </a:r>
+            <a:r>
+              <a:rPr lang="ja-JP" altLang="en-US"/>
+              <a:t>コンパイルと実行方法</a:t>
+            </a:r>
+            <a:endParaRPr kumimoji="1" lang="ja-JP" altLang="en-US"/>
+          </a:p>
+        </p:txBody>
+      </p:sp>
+      <p:sp>
+        <p:nvSpPr>
+          <p:cNvPr id="3" name="コンテンツ プレースホルダー 2">
+            <a:extLst>
+              <a:ext uri="{FF2B5EF4-FFF2-40B4-BE49-F238E27FC236}">
+                <a16:creationId xmlns:a16="http://schemas.microsoft.com/office/drawing/2014/main" id="{4440044B-04A8-994E-804A-ED31F8C4E414}"/>
+              </a:ext>
+            </a:extLst>
+          </p:cNvPr>
+          <p:cNvSpPr>
+            <a:spLocks noGrp="1"/>
+          </p:cNvSpPr>
+          <p:nvPr>
+            <p:ph idx="1"/>
+          </p:nvPr>
+        </p:nvSpPr>
+        <p:spPr>
+          <a:xfrm>
+            <a:off x="1141412" y="2249487"/>
+            <a:ext cx="9905999" cy="4020684"/>
+          </a:xfrm>
+        </p:spPr>
+        <p:txBody>
+          <a:bodyPr/>
+          <a:lstStyle/>
+          <a:p>
+            <a:r>
+              <a:rPr kumimoji="1" lang="ja-JP" altLang="en-US"/>
+              <a:t>注意事項</a:t>
+            </a:r>
+            <a:endParaRPr kumimoji="1" lang="en-US" altLang="ja-JP" dirty="0"/>
+          </a:p>
+          <a:p>
+            <a:pPr marL="457200" indent="-457200">
+              <a:buFont typeface="+mj-lt"/>
+              <a:buAutoNum type="arabicPeriod"/>
+            </a:pPr>
+            <a:r>
+              <a:rPr lang="en-US" altLang="ja-JP" dirty="0"/>
+              <a:t>include file</a:t>
+            </a:r>
+            <a:r>
+              <a:rPr lang="ja-JP" altLang="en-US"/>
+              <a:t>を指定する</a:t>
+            </a:r>
+            <a:endParaRPr lang="en-US" altLang="ja-JP" dirty="0"/>
+          </a:p>
+          <a:p>
+            <a:pPr marL="0" indent="0">
+              <a:buNone/>
+            </a:pPr>
+            <a:r>
+              <a:rPr lang="ja-JP" altLang="en-US"/>
+              <a:t>「</a:t>
+            </a:r>
+            <a:r>
+              <a:rPr lang="en-US" altLang="ja-JP" dirty="0"/>
+              <a:t>#include “</a:t>
+            </a:r>
+            <a:r>
+              <a:rPr lang="en-US" altLang="ja-JP" dirty="0" err="1"/>
+              <a:t>libsafec</a:t>
+            </a:r>
+            <a:r>
+              <a:rPr lang="en-US" altLang="ja-JP" dirty="0"/>
+              <a:t>/</a:t>
+            </a:r>
+            <a:r>
+              <a:rPr lang="en-US" altLang="ja-JP" dirty="0" err="1"/>
+              <a:t>safe_lib.h</a:t>
+            </a:r>
+            <a:r>
+              <a:rPr lang="en-US" altLang="ja-JP" dirty="0"/>
+              <a:t>”</a:t>
+            </a:r>
+            <a:r>
+              <a:rPr lang="ja-JP" altLang="en-US"/>
+              <a:t>」</a:t>
+            </a:r>
+            <a:endParaRPr kumimoji="1" lang="en-US" altLang="ja-JP" dirty="0"/>
+          </a:p>
+          <a:p>
+            <a:r>
+              <a:rPr kumimoji="1" lang="ja-JP" altLang="en-US"/>
+              <a:t>ソースコード</a:t>
+            </a:r>
+            <a:r>
+              <a:rPr lang="ja-JP" altLang="en-US"/>
+              <a:t>が「</a:t>
+            </a:r>
+            <a:r>
+              <a:rPr lang="en-US" altLang="ja-JP" dirty="0" err="1"/>
+              <a:t>gets_s_example.c</a:t>
+            </a:r>
+            <a:r>
+              <a:rPr lang="ja-JP" altLang="en-US"/>
+              <a:t>」を例として説明します。</a:t>
+            </a:r>
+            <a:endParaRPr kumimoji="1" lang="en-US" altLang="ja-JP" dirty="0"/>
+          </a:p>
+          <a:p>
+            <a:pPr marL="457200" indent="-457200">
+              <a:buFont typeface="+mj-lt"/>
+              <a:buAutoNum type="arabicPeriod"/>
+            </a:pPr>
+            <a:r>
+              <a:rPr lang="en-US" altLang="ja-JP" dirty="0" err="1"/>
+              <a:t>gcc</a:t>
+            </a:r>
+            <a:r>
+              <a:rPr lang="en-US" altLang="ja-JP" dirty="0"/>
+              <a:t> -</a:t>
+            </a:r>
+            <a:r>
+              <a:rPr lang="en-US" altLang="ja-JP" dirty="0" err="1"/>
+              <a:t>std</a:t>
+            </a:r>
+            <a:r>
+              <a:rPr lang="en-US" altLang="ja-JP" dirty="0"/>
+              <a:t>=c11 -c </a:t>
+            </a:r>
+            <a:r>
+              <a:rPr lang="en-US" altLang="ja-JP" dirty="0" err="1"/>
+              <a:t>gets_s_example.c</a:t>
+            </a:r>
+            <a:endParaRPr lang="en-US" altLang="ja-JP" dirty="0"/>
+          </a:p>
+          <a:p>
+            <a:pPr marL="457200" indent="-457200">
+              <a:buFont typeface="+mj-lt"/>
+              <a:buAutoNum type="arabicPeriod"/>
+            </a:pPr>
+            <a:r>
+              <a:rPr lang="en-US" altLang="ja-JP" dirty="0" err="1"/>
+              <a:t>gcc</a:t>
+            </a:r>
+            <a:r>
+              <a:rPr lang="en-US" altLang="ja-JP" dirty="0"/>
+              <a:t> -o </a:t>
+            </a:r>
+            <a:r>
+              <a:rPr lang="en-US" altLang="ja-JP" dirty="0" err="1"/>
+              <a:t>gets_s_example</a:t>
+            </a:r>
+            <a:r>
+              <a:rPr lang="en-US" altLang="ja-JP" dirty="0"/>
+              <a:t> </a:t>
+            </a:r>
+            <a:r>
+              <a:rPr lang="en-US" altLang="ja-JP" dirty="0" err="1"/>
+              <a:t>gets_s_example.o</a:t>
+            </a:r>
+            <a:r>
+              <a:rPr lang="en-US" altLang="ja-JP" dirty="0"/>
+              <a:t> /</a:t>
+            </a:r>
+            <a:r>
+              <a:rPr lang="en-US" altLang="ja-JP" dirty="0" err="1"/>
+              <a:t>usr</a:t>
+            </a:r>
+            <a:r>
+              <a:rPr lang="en-US" altLang="ja-JP" dirty="0"/>
+              <a:t>/local/lib/libsafec-3.3.a</a:t>
+            </a:r>
+          </a:p>
+          <a:p>
+            <a:endParaRPr kumimoji="1" lang="ja-JP" altLang="en-US"/>
+          </a:p>
+        </p:txBody>
+      </p:sp>
+    </p:spTree>
+    <p:extLst>
+      <p:ext uri="{BB962C8B-B14F-4D97-AF65-F5344CB8AC3E}">
+        <p14:creationId xmlns:p14="http://schemas.microsoft.com/office/powerpoint/2010/main" val="1088942378"/>
+      </p:ext>
+    </p:extLst>
+  </p:cSld>
+  <p:clrMapOvr>
+    <a:masterClrMapping/>
+  </p:clrMapOvr>
+</p:sld>
+</file>
+
+<file path=ppt/slides/slide8.xml><?xml version="1.0" encoding="utf-8"?>
 <p:sld xmlns:a="http://schemas.openxmlformats.org/drawingml/2006/main" xmlns:r="http://schemas.openxmlformats.org/officeDocument/2006/relationships" xmlns:p="http://schemas.openxmlformats.org/presentationml/2006/main">
   <p:cSld>
     <p:spTree>
@@ -13906,9 +16905,30 @@
           <a:lstStyle/>
           <a:p>
             <a:r>
+              <a:rPr lang="en-US" altLang="ja-JP" dirty="0"/>
+              <a:t>5</a:t>
+            </a:r>
+            <a:r>
               <a:rPr kumimoji="1" lang="ja-JP" altLang="en-US"/>
-              <a:t>４．実行結果</a:t>
-            </a:r>
+              <a:t>．</a:t>
+            </a:r>
+            <a:r>
+              <a:rPr lang="en-US" altLang="ja-JP" dirty="0"/>
+              <a:t> C99</a:t>
+            </a:r>
+            <a:r>
+              <a:rPr lang="ja-JP" altLang="en-US"/>
+              <a:t>と</a:t>
+            </a:r>
+            <a:r>
+              <a:rPr lang="en-US" altLang="ja-JP" dirty="0"/>
+              <a:t>C11</a:t>
+            </a:r>
+            <a:r>
+              <a:rPr lang="ja-JP" altLang="en-US"/>
+              <a:t>の結果の違いの分析</a:t>
+            </a:r>
+            <a:endParaRPr kumimoji="1" lang="ja-JP" altLang="en-US"/>
           </a:p>
         </p:txBody>
       </p:sp>
@@ -13933,7 +16953,10 @@
           <a:bodyPr/>
           <a:lstStyle/>
           <a:p>
-            <a:endParaRPr kumimoji="1" lang="ja-JP" altLang="en-US"/>
+            <a:r>
+              <a:rPr kumimoji="1" lang="ja-JP" altLang="en-US" dirty="0"/>
+              <a:t>三人ごとで一つのファンクションを選んで分析してみました。</a:t>
+            </a:r>
           </a:p>
         </p:txBody>
       </p:sp>
@@ -13950,7 +16973,7 @@
 </p:sld>
 </file>
 
-<file path=ppt/slides/slide7.xml><?xml version="1.0" encoding="utf-8"?>
+<file path=ppt/slides/slide9.xml><?xml version="1.0" encoding="utf-8"?>
 <p:sld xmlns:a="http://schemas.openxmlformats.org/drawingml/2006/main" xmlns:r="http://schemas.openxmlformats.org/officeDocument/2006/relationships" xmlns:p="http://schemas.openxmlformats.org/presentationml/2006/main">
   <p:cSld>
     <p:spTree>
@@ -13969,10 +16992,56 @@
       </p:grpSpPr>
       <p:sp>
         <p:nvSpPr>
-          <p:cNvPr id="2" name="タイトル 1">
+          <p:cNvPr id="3" name="コンテンツ プレースホルダー 2">
             <a:extLst>
               <a:ext uri="{FF2B5EF4-FFF2-40B4-BE49-F238E27FC236}">
-                <a16:creationId xmlns:a16="http://schemas.microsoft.com/office/drawing/2014/main" id="{16EB0E69-6A9B-DF49-9BF4-E95330F12A4E}"/>
+                <a16:creationId xmlns:a16="http://schemas.microsoft.com/office/drawing/2014/main" id="{25A28750-FFB3-8343-90C7-E5986B199439}"/>
+              </a:ext>
+            </a:extLst>
+          </p:cNvPr>
+          <p:cNvSpPr>
+            <a:spLocks noGrp="1"/>
+          </p:cNvSpPr>
+          <p:nvPr>
+            <p:ph idx="1"/>
+          </p:nvPr>
+        </p:nvSpPr>
+        <p:spPr/>
+        <p:txBody>
+          <a:bodyPr>
+            <a:normAutofit/>
+          </a:bodyPr>
+          <a:lstStyle/>
+          <a:p>
+            <a:pPr marL="0" indent="0" algn="ctr">
+              <a:buNone/>
+            </a:pPr>
+            <a:r>
+              <a:rPr lang="en-US" altLang="ja-JP" sz="4800" dirty="0" err="1"/>
+              <a:t>g</a:t>
+            </a:r>
+            <a:r>
+              <a:rPr kumimoji="1" lang="en-US" altLang="ja-JP" sz="4800" dirty="0" err="1"/>
+              <a:t>etenv</a:t>
+            </a:r>
+            <a:r>
+              <a:rPr kumimoji="1" lang="ja-JP" altLang="en-US" sz="4800"/>
+              <a:t>と</a:t>
+            </a:r>
+            <a:r>
+              <a:rPr kumimoji="1" lang="en-US" altLang="ja-JP" sz="4800" dirty="0" err="1"/>
+              <a:t>getenv_s</a:t>
+            </a:r>
+            <a:endParaRPr kumimoji="1" lang="ja-JP" altLang="en-US" sz="4800"/>
+          </a:p>
+        </p:txBody>
+      </p:sp>
+      <p:sp>
+        <p:nvSpPr>
+          <p:cNvPr id="5" name="タイトル 4">
+            <a:extLst>
+              <a:ext uri="{FF2B5EF4-FFF2-40B4-BE49-F238E27FC236}">
+                <a16:creationId xmlns:a16="http://schemas.microsoft.com/office/drawing/2014/main" id="{095E3366-BDDA-7045-BB53-661C5B73863B}"/>
               </a:ext>
             </a:extLst>
           </p:cNvPr>
@@ -13988,42 +17057,14 @@
           <a:bodyPr/>
           <a:lstStyle/>
           <a:p>
-            <a:r>
-              <a:rPr kumimoji="1" lang="ja-JP" altLang="en-US"/>
-              <a:t>５．ソース分析</a:t>
-            </a:r>
-          </a:p>
-        </p:txBody>
-      </p:sp>
-      <p:sp>
-        <p:nvSpPr>
-          <p:cNvPr id="3" name="コンテンツ プレースホルダー 2">
-            <a:extLst>
-              <a:ext uri="{FF2B5EF4-FFF2-40B4-BE49-F238E27FC236}">
-                <a16:creationId xmlns:a16="http://schemas.microsoft.com/office/drawing/2014/main" id="{2A318E28-DAC5-4E4E-A9B9-BEB2B7A0998A}"/>
-              </a:ext>
-            </a:extLst>
-          </p:cNvPr>
-          <p:cNvSpPr>
-            <a:spLocks noGrp="1"/>
-          </p:cNvSpPr>
-          <p:nvPr>
-            <p:ph idx="1"/>
-          </p:nvPr>
-        </p:nvSpPr>
-        <p:spPr/>
-        <p:txBody>
-          <a:bodyPr/>
-          <a:lstStyle/>
-          <a:p>
-            <a:endParaRPr kumimoji="1" lang="ja-JP" altLang="en-US"/>
+            <a:endParaRPr lang="ja-JP" altLang="en-US"/>
           </a:p>
         </p:txBody>
       </p:sp>
     </p:spTree>
     <p:extLst>
       <p:ext uri="{BB962C8B-B14F-4D97-AF65-F5344CB8AC3E}">
-        <p14:creationId xmlns:p14="http://schemas.microsoft.com/office/powerpoint/2010/main" val="3587747943"/>
+        <p14:creationId xmlns:p14="http://schemas.microsoft.com/office/powerpoint/2010/main" val="2239031615"/>
       </p:ext>
     </p:extLst>
   </p:cSld>
